--- a/Team 12 - TP01 Presentation.pptx
+++ b/Team 12 - TP01 Presentation.pptx
@@ -835,7 +835,7 @@
               </a:spcAft>
               <a:buNone/>
             </a:pPr>
-            <a:endParaRPr lang="en-US" dirty="0"/>
+            <a:endParaRPr dirty="0"/>
           </a:p>
         </p:txBody>
       </p:sp>
@@ -852,7 +852,7 @@
   <p:cSld>
     <p:spTree>
       <p:nvGrpSpPr>
-        <p:cNvPr id="1" name="Shape 583"/>
+        <p:cNvPr id="1" name="Shape 586"/>
         <p:cNvGrpSpPr/>
         <p:nvPr/>
       </p:nvGrpSpPr>
@@ -866,7 +866,7 @@
       </p:grpSpPr>
       <p:sp>
         <p:nvSpPr>
-          <p:cNvPr id="584" name="Google Shape;584;g11332656785_1_19:notes"/>
+          <p:cNvPr id="587" name="Google Shape;587;g11332656785_1_19:notes"/>
           <p:cNvSpPr>
             <a:spLocks noGrp="1" noRot="1" noChangeAspect="1"/>
           </p:cNvSpPr>
@@ -907,7 +907,7 @@
       </p:sp>
       <p:sp>
         <p:nvSpPr>
-          <p:cNvPr id="585" name="Google Shape;585;g11332656785_1_19:notes"/>
+          <p:cNvPr id="588" name="Google Shape;588;g11332656785_1_19:notes"/>
           <p:cNvSpPr txBox="1">
             <a:spLocks noGrp="1"/>
           </p:cNvSpPr>
@@ -956,7 +956,7 @@
   <p:cSld>
     <p:spTree>
       <p:nvGrpSpPr>
-        <p:cNvPr id="1" name="Shape 591"/>
+        <p:cNvPr id="1" name="Shape 594"/>
         <p:cNvGrpSpPr/>
         <p:nvPr/>
       </p:nvGrpSpPr>
@@ -970,7 +970,7 @@
       </p:grpSpPr>
       <p:sp>
         <p:nvSpPr>
-          <p:cNvPr id="592" name="Google Shape;592;g1125a93bb91_0_20:notes"/>
+          <p:cNvPr id="595" name="Google Shape;595;g1125a93bb91_0_20:notes"/>
           <p:cNvSpPr>
             <a:spLocks noGrp="1" noRot="1" noChangeAspect="1"/>
           </p:cNvSpPr>
@@ -1011,7 +1011,7 @@
       </p:sp>
       <p:sp>
         <p:nvSpPr>
-          <p:cNvPr id="593" name="Google Shape;593;g1125a93bb91_0_20:notes"/>
+          <p:cNvPr id="596" name="Google Shape;596;g1125a93bb91_0_20:notes"/>
           <p:cNvSpPr txBox="1">
             <a:spLocks noGrp="1"/>
           </p:cNvSpPr>
@@ -1060,7 +1060,7 @@
   <p:cSld>
     <p:spTree>
       <p:nvGrpSpPr>
-        <p:cNvPr id="1" name="Shape 597"/>
+        <p:cNvPr id="1" name="Shape 600"/>
         <p:cNvGrpSpPr/>
         <p:nvPr/>
       </p:nvGrpSpPr>
@@ -1074,7 +1074,7 @@
       </p:grpSpPr>
       <p:sp>
         <p:nvSpPr>
-          <p:cNvPr id="598" name="Google Shape;598;g6c52a2e8d8_0_14:notes"/>
+          <p:cNvPr id="601" name="Google Shape;601;g6c52a2e8d8_0_14:notes"/>
           <p:cNvSpPr>
             <a:spLocks noGrp="1" noRot="1" noChangeAspect="1"/>
           </p:cNvSpPr>
@@ -1115,7 +1115,7 @@
       </p:sp>
       <p:sp>
         <p:nvSpPr>
-          <p:cNvPr id="599" name="Google Shape;599;g6c52a2e8d8_0_14:notes"/>
+          <p:cNvPr id="602" name="Google Shape;602;g6c52a2e8d8_0_14:notes"/>
           <p:cNvSpPr txBox="1">
             <a:spLocks noGrp="1"/>
           </p:cNvSpPr>
@@ -1152,7 +1152,7 @@
               <a:buFont typeface="Arial"/>
               <a:buNone/>
             </a:pPr>
-            <a:endParaRPr sz="1200" dirty="0">
+            <a:endParaRPr lang="en-US" sz="1200" dirty="0">
               <a:solidFill>
                 <a:schemeClr val="dk1"/>
               </a:solidFill>
@@ -1173,7 +1173,7 @@
   <p:cSld>
     <p:spTree>
       <p:nvGrpSpPr>
-        <p:cNvPr id="1" name="Shape 612"/>
+        <p:cNvPr id="1" name="Shape 615"/>
         <p:cNvGrpSpPr/>
         <p:nvPr/>
       </p:nvGrpSpPr>
@@ -1187,7 +1187,7 @@
       </p:grpSpPr>
       <p:sp>
         <p:nvSpPr>
-          <p:cNvPr id="613" name="Google Shape;613;g6c60e245bf_1_31323:notes"/>
+          <p:cNvPr id="616" name="Google Shape;616;g6c60e245bf_1_31323:notes"/>
           <p:cNvSpPr>
             <a:spLocks noGrp="1" noRot="1" noChangeAspect="1"/>
           </p:cNvSpPr>
@@ -1228,7 +1228,7 @@
       </p:sp>
       <p:sp>
         <p:nvSpPr>
-          <p:cNvPr id="614" name="Google Shape;614;g6c60e245bf_1_31323:notes"/>
+          <p:cNvPr id="617" name="Google Shape;617;g6c60e245bf_1_31323:notes"/>
           <p:cNvSpPr txBox="1">
             <a:spLocks noGrp="1"/>
           </p:cNvSpPr>
@@ -1277,7 +1277,7 @@
   <p:cSld>
     <p:spTree>
       <p:nvGrpSpPr>
-        <p:cNvPr id="1" name="Shape 626"/>
+        <p:cNvPr id="1" name="Shape 629"/>
         <p:cNvGrpSpPr/>
         <p:nvPr/>
       </p:nvGrpSpPr>
@@ -1291,7 +1291,7 @@
       </p:grpSpPr>
       <p:sp>
         <p:nvSpPr>
-          <p:cNvPr id="627" name="Google Shape;627;g70d13569c7_2_50:notes"/>
+          <p:cNvPr id="630" name="Google Shape;630;g70d13569c7_2_50:notes"/>
           <p:cNvSpPr>
             <a:spLocks noGrp="1" noRot="1" noChangeAspect="1"/>
           </p:cNvSpPr>
@@ -1332,7 +1332,7 @@
       </p:sp>
       <p:sp>
         <p:nvSpPr>
-          <p:cNvPr id="628" name="Google Shape;628;g70d13569c7_2_50:notes"/>
+          <p:cNvPr id="631" name="Google Shape;631;g70d13569c7_2_50:notes"/>
           <p:cNvSpPr txBox="1">
             <a:spLocks noGrp="1"/>
           </p:cNvSpPr>
@@ -1674,20 +1674,12 @@
           <a:lstStyle/>
           <a:p>
             <a:pPr marL="0" lvl="0" indent="0" algn="l" rtl="0">
-              <a:lnSpc>
-                <a:spcPct val="115000"/>
-              </a:lnSpc>
               <a:spcBef>
                 <a:spcPts val="1200"/>
               </a:spcBef>
               <a:spcAft>
                 <a:spcPts val="0"/>
               </a:spcAft>
-              <a:buClr>
-                <a:schemeClr val="dk1"/>
-              </a:buClr>
-              <a:buSzPts val="1100"/>
-              <a:buFont typeface="Arial"/>
               <a:buNone/>
             </a:pPr>
             <a:endParaRPr dirty="0"/>
@@ -1731,7 +1723,7 @@
         </p:nvSpPr>
         <p:spPr>
           <a:xfrm>
-            <a:off x="381300" y="685800"/>
+            <a:off x="381000" y="685800"/>
             <a:ext cx="6096000" cy="3429000"/>
           </a:xfrm>
           <a:custGeom>
@@ -1811,7 +1803,7 @@
   <p:cSld>
     <p:spTree>
       <p:nvGrpSpPr>
-        <p:cNvPr id="1" name="Shape 523"/>
+        <p:cNvPr id="1" name="Shape 526"/>
         <p:cNvGrpSpPr/>
         <p:nvPr/>
       </p:nvGrpSpPr>
@@ -1825,7 +1817,7 @@
       </p:grpSpPr>
       <p:sp>
         <p:nvSpPr>
-          <p:cNvPr id="524" name="Google Shape;524;g6c4305b01e_0_5:notes"/>
+          <p:cNvPr id="527" name="Google Shape;527;g6c4305b01e_0_5:notes"/>
           <p:cNvSpPr>
             <a:spLocks noGrp="1" noRot="1" noChangeAspect="1"/>
           </p:cNvSpPr>
@@ -1866,7 +1858,7 @@
       </p:sp>
       <p:sp>
         <p:nvSpPr>
-          <p:cNvPr id="525" name="Google Shape;525;g6c4305b01e_0_5:notes"/>
+          <p:cNvPr id="528" name="Google Shape;528;g6c4305b01e_0_5:notes"/>
           <p:cNvSpPr txBox="1">
             <a:spLocks noGrp="1"/>
           </p:cNvSpPr>
@@ -1915,7 +1907,7 @@
   <p:cSld>
     <p:spTree>
       <p:nvGrpSpPr>
-        <p:cNvPr id="1" name="Shape 562"/>
+        <p:cNvPr id="1" name="Shape 565"/>
         <p:cNvGrpSpPr/>
         <p:nvPr/>
       </p:nvGrpSpPr>
@@ -1929,7 +1921,7 @@
       </p:grpSpPr>
       <p:sp>
         <p:nvSpPr>
-          <p:cNvPr id="563" name="Google Shape;563;g6c60e245bf_1_31874:notes"/>
+          <p:cNvPr id="566" name="Google Shape;566;g6c60e245bf_1_31874:notes"/>
           <p:cNvSpPr>
             <a:spLocks noGrp="1" noRot="1" noChangeAspect="1"/>
           </p:cNvSpPr>
@@ -1970,7 +1962,7 @@
       </p:sp>
       <p:sp>
         <p:nvSpPr>
-          <p:cNvPr id="564" name="Google Shape;564;g6c60e245bf_1_31874:notes"/>
+          <p:cNvPr id="567" name="Google Shape;567;g6c60e245bf_1_31874:notes"/>
           <p:cNvSpPr txBox="1">
             <a:spLocks noGrp="1"/>
           </p:cNvSpPr>
@@ -2019,7 +2011,7 @@
   <p:cSld>
     <p:spTree>
       <p:nvGrpSpPr>
-        <p:cNvPr id="1" name="Shape 569"/>
+        <p:cNvPr id="1" name="Shape 572"/>
         <p:cNvGrpSpPr/>
         <p:nvPr/>
       </p:nvGrpSpPr>
@@ -2033,7 +2025,7 @@
       </p:grpSpPr>
       <p:sp>
         <p:nvSpPr>
-          <p:cNvPr id="570" name="Google Shape;570;g1125a93bb91_0_49:notes"/>
+          <p:cNvPr id="573" name="Google Shape;573;g1125a93bb91_0_49:notes"/>
           <p:cNvSpPr>
             <a:spLocks noGrp="1" noRot="1" noChangeAspect="1"/>
           </p:cNvSpPr>
@@ -2074,7 +2066,7 @@
       </p:sp>
       <p:sp>
         <p:nvSpPr>
-          <p:cNvPr id="571" name="Google Shape;571;g1125a93bb91_0_49:notes"/>
+          <p:cNvPr id="574" name="Google Shape;574;g1125a93bb91_0_49:notes"/>
           <p:cNvSpPr txBox="1">
             <a:spLocks noGrp="1"/>
           </p:cNvSpPr>
@@ -2123,7 +2115,7 @@
   <p:cSld>
     <p:spTree>
       <p:nvGrpSpPr>
-        <p:cNvPr id="1" name="Shape 576"/>
+        <p:cNvPr id="1" name="Shape 579"/>
         <p:cNvGrpSpPr/>
         <p:nvPr/>
       </p:nvGrpSpPr>
@@ -2137,7 +2129,7 @@
       </p:grpSpPr>
       <p:sp>
         <p:nvSpPr>
-          <p:cNvPr id="577" name="Google Shape;577;g1125a93bb91_0_56:notes"/>
+          <p:cNvPr id="580" name="Google Shape;580;g1125a93bb91_0_56:notes"/>
           <p:cNvSpPr>
             <a:spLocks noGrp="1" noRot="1" noChangeAspect="1"/>
           </p:cNvSpPr>
@@ -2178,7 +2170,7 @@
       </p:sp>
       <p:sp>
         <p:nvSpPr>
-          <p:cNvPr id="578" name="Google Shape;578;g1125a93bb91_0_56:notes"/>
+          <p:cNvPr id="581" name="Google Shape;581;g1125a93bb91_0_56:notes"/>
           <p:cNvSpPr txBox="1">
             <a:spLocks noGrp="1"/>
           </p:cNvSpPr>
@@ -41208,7 +41200,7 @@
   <p:cSld>
     <p:spTree>
       <p:nvGrpSpPr>
-        <p:cNvPr id="1" name="Shape 586"/>
+        <p:cNvPr id="1" name="Shape 589"/>
         <p:cNvGrpSpPr/>
         <p:nvPr/>
       </p:nvGrpSpPr>
@@ -41222,7 +41214,7 @@
       </p:grpSpPr>
       <p:sp>
         <p:nvSpPr>
-          <p:cNvPr id="587" name="Google Shape;587;p32"/>
+          <p:cNvPr id="590" name="Google Shape;590;p32"/>
           <p:cNvSpPr txBox="1">
             <a:spLocks noGrp="1"/>
           </p:cNvSpPr>
@@ -41367,7 +41359,7 @@
       </p:sp>
       <p:sp>
         <p:nvSpPr>
-          <p:cNvPr id="588" name="Google Shape;588;p32"/>
+          <p:cNvPr id="591" name="Google Shape;591;p32"/>
           <p:cNvSpPr txBox="1">
             <a:spLocks noGrp="1"/>
           </p:cNvSpPr>
@@ -41409,7 +41401,7 @@
       </p:sp>
       <p:sp>
         <p:nvSpPr>
-          <p:cNvPr id="589" name="Google Shape;589;p32"/>
+          <p:cNvPr id="592" name="Google Shape;592;p32"/>
           <p:cNvSpPr txBox="1"/>
           <p:nvPr/>
         </p:nvSpPr>
@@ -41648,7 +41640,7 @@
       </p:sp>
       <p:pic>
         <p:nvPicPr>
-          <p:cNvPr id="590" name="Google Shape;590;p32"/>
+          <p:cNvPr id="593" name="Google Shape;593;p32"/>
           <p:cNvPicPr preferRelativeResize="0"/>
           <p:nvPr/>
         </p:nvPicPr>
@@ -41686,7 +41678,7 @@
   <p:cSld>
     <p:spTree>
       <p:nvGrpSpPr>
-        <p:cNvPr id="1" name="Shape 594"/>
+        <p:cNvPr id="1" name="Shape 597"/>
         <p:cNvGrpSpPr/>
         <p:nvPr/>
       </p:nvGrpSpPr>
@@ -41700,7 +41692,7 @@
       </p:grpSpPr>
       <p:sp>
         <p:nvSpPr>
-          <p:cNvPr id="595" name="Google Shape;595;p33"/>
+          <p:cNvPr id="598" name="Google Shape;598;p33"/>
           <p:cNvSpPr txBox="1">
             <a:spLocks noGrp="1"/>
           </p:cNvSpPr>
@@ -41946,7 +41938,7 @@
       </p:sp>
       <p:sp>
         <p:nvSpPr>
-          <p:cNvPr id="596" name="Google Shape;596;p33"/>
+          <p:cNvPr id="599" name="Google Shape;599;p33"/>
           <p:cNvSpPr txBox="1">
             <a:spLocks noGrp="1"/>
           </p:cNvSpPr>
@@ -41999,7 +41991,7 @@
   <p:cSld>
     <p:spTree>
       <p:nvGrpSpPr>
-        <p:cNvPr id="1" name="Shape 600"/>
+        <p:cNvPr id="1" name="Shape 603"/>
         <p:cNvGrpSpPr/>
         <p:nvPr/>
       </p:nvGrpSpPr>
@@ -42013,7 +42005,7 @@
       </p:grpSpPr>
       <p:sp>
         <p:nvSpPr>
-          <p:cNvPr id="601" name="Google Shape;601;p34"/>
+          <p:cNvPr id="604" name="Google Shape;604;p34"/>
           <p:cNvSpPr/>
           <p:nvPr/>
         </p:nvSpPr>
@@ -42059,7 +42051,7 @@
       </p:sp>
       <p:sp>
         <p:nvSpPr>
-          <p:cNvPr id="602" name="Google Shape;602;p34"/>
+          <p:cNvPr id="605" name="Google Shape;605;p34"/>
           <p:cNvSpPr/>
           <p:nvPr/>
         </p:nvSpPr>
@@ -42105,7 +42097,7 @@
       </p:sp>
       <p:sp>
         <p:nvSpPr>
-          <p:cNvPr id="603" name="Google Shape;603;p34"/>
+          <p:cNvPr id="606" name="Google Shape;606;p34"/>
           <p:cNvSpPr txBox="1">
             <a:spLocks noGrp="1"/>
           </p:cNvSpPr>
@@ -42147,7 +42139,7 @@
       </p:sp>
       <p:graphicFrame>
         <p:nvGraphicFramePr>
-          <p:cNvPr id="604" name="Google Shape;604;p34"/>
+          <p:cNvPr id="607" name="Google Shape;607;p34"/>
           <p:cNvGraphicFramePr/>
           <p:nvPr/>
         </p:nvGraphicFramePr>
@@ -42160,7 +42152,7 @@
             <a:tbl>
               <a:tblPr>
                 <a:noFill/>
-                <a:tableStyleId>{B7877724-282D-4248-AF90-0AC89A5ED85E}</a:tableStyleId>
+                <a:tableStyleId>{E2D46C2E-02C5-4926-A3D1-C6BB9F8F85A6}</a:tableStyleId>
               </a:tblPr>
               <a:tblGrid>
                 <a:gridCol w="1935000">
@@ -43234,7 +43226,7 @@
       </p:graphicFrame>
       <p:grpSp>
         <p:nvGrpSpPr>
-          <p:cNvPr id="605" name="Google Shape;605;p34"/>
+          <p:cNvPr id="608" name="Google Shape;608;p34"/>
           <p:cNvGrpSpPr/>
           <p:nvPr/>
         </p:nvGrpSpPr>
@@ -43248,7 +43240,7 @@
         </p:grpSpPr>
         <p:sp>
           <p:nvSpPr>
-            <p:cNvPr id="606" name="Google Shape;606;p34"/>
+            <p:cNvPr id="609" name="Google Shape;609;p34"/>
             <p:cNvSpPr/>
             <p:nvPr/>
           </p:nvSpPr>
@@ -43276,231 +43268,6 @@
                   </a:lnTo>
                   <a:lnTo>
                     <a:pt x="99749" y="1"/>
-                  </a:lnTo>
-                  <a:close/>
-                </a:path>
-              </a:pathLst>
-            </a:custGeom>
-            <a:solidFill>
-              <a:srgbClr val="FF9973"/>
-            </a:solidFill>
-            <a:ln w="9525" cap="flat" cmpd="sng">
-              <a:solidFill>
-                <a:schemeClr val="accent3"/>
-              </a:solidFill>
-              <a:prstDash val="solid"/>
-              <a:round/>
-              <a:headEnd type="none" w="sm" len="sm"/>
-              <a:tailEnd type="none" w="sm" len="sm"/>
-            </a:ln>
-          </p:spPr>
-          <p:txBody>
-            <a:bodyPr spcFirstLastPara="1" wrap="square" lIns="91425" tIns="91425" rIns="91425" bIns="91425" anchor="ctr" anchorCtr="0">
-              <a:noAutofit/>
-            </a:bodyPr>
-            <a:lstStyle/>
-            <a:p>
-              <a:pPr marL="0" lvl="0" indent="0" algn="l" rtl="0">
-                <a:spcBef>
-                  <a:spcPts val="0"/>
-                </a:spcBef>
-                <a:spcAft>
-                  <a:spcPts val="0"/>
-                </a:spcAft>
-                <a:buNone/>
-              </a:pPr>
-              <a:endParaRPr/>
-            </a:p>
-          </p:txBody>
-        </p:sp>
-        <p:sp>
-          <p:nvSpPr>
-            <p:cNvPr id="607" name="Google Shape;607;p34"/>
-            <p:cNvSpPr/>
-            <p:nvPr/>
-          </p:nvSpPr>
-          <p:spPr>
-            <a:xfrm>
-              <a:off x="4987800" y="-64350"/>
-              <a:ext cx="1082975" cy="2914922"/>
-            </a:xfrm>
-            <a:custGeom>
-              <a:avLst/>
-              <a:gdLst/>
-              <a:ahLst/>
-              <a:cxnLst/>
-              <a:rect l="l" t="t" r="r" b="b"/>
-              <a:pathLst>
-                <a:path w="43319" h="94995" extrusionOk="0">
-                  <a:moveTo>
-                    <a:pt x="0" y="1"/>
-                  </a:moveTo>
-                  <a:lnTo>
-                    <a:pt x="0" y="30716"/>
-                  </a:lnTo>
-                  <a:lnTo>
-                    <a:pt x="43127" y="30716"/>
-                  </a:lnTo>
-                  <a:lnTo>
-                    <a:pt x="43127" y="94994"/>
-                  </a:lnTo>
-                  <a:lnTo>
-                    <a:pt x="43319" y="94994"/>
-                  </a:lnTo>
-                  <a:lnTo>
-                    <a:pt x="43319" y="30523"/>
-                  </a:lnTo>
-                  <a:lnTo>
-                    <a:pt x="210" y="30523"/>
-                  </a:lnTo>
-                  <a:lnTo>
-                    <a:pt x="210" y="1"/>
-                  </a:lnTo>
-                  <a:close/>
-                </a:path>
-              </a:pathLst>
-            </a:custGeom>
-            <a:solidFill>
-              <a:srgbClr val="FF9973"/>
-            </a:solidFill>
-            <a:ln w="9525" cap="flat" cmpd="sng">
-              <a:solidFill>
-                <a:schemeClr val="accent3"/>
-              </a:solidFill>
-              <a:prstDash val="solid"/>
-              <a:round/>
-              <a:headEnd type="none" w="sm" len="sm"/>
-              <a:tailEnd type="none" w="sm" len="sm"/>
-            </a:ln>
-          </p:spPr>
-          <p:txBody>
-            <a:bodyPr spcFirstLastPara="1" wrap="square" lIns="91425" tIns="91425" rIns="91425" bIns="91425" anchor="ctr" anchorCtr="0">
-              <a:noAutofit/>
-            </a:bodyPr>
-            <a:lstStyle/>
-            <a:p>
-              <a:pPr marL="0" lvl="0" indent="0" algn="l" rtl="0">
-                <a:spcBef>
-                  <a:spcPts val="0"/>
-                </a:spcBef>
-                <a:spcAft>
-                  <a:spcPts val="0"/>
-                </a:spcAft>
-                <a:buNone/>
-              </a:pPr>
-              <a:endParaRPr/>
-            </a:p>
-          </p:txBody>
-        </p:sp>
-        <p:sp>
-          <p:nvSpPr>
-            <p:cNvPr id="608" name="Google Shape;608;p34"/>
-            <p:cNvSpPr/>
-            <p:nvPr/>
-          </p:nvSpPr>
-          <p:spPr>
-            <a:xfrm>
-              <a:off x="6127150" y="2700150"/>
-              <a:ext cx="105350" cy="107100"/>
-            </a:xfrm>
-            <a:custGeom>
-              <a:avLst/>
-              <a:gdLst/>
-              <a:ahLst/>
-              <a:cxnLst/>
-              <a:rect l="l" t="t" r="r" b="b"/>
-              <a:pathLst>
-                <a:path w="4214" h="4284" extrusionOk="0">
-                  <a:moveTo>
-                    <a:pt x="0" y="1"/>
-                  </a:moveTo>
-                  <a:lnTo>
-                    <a:pt x="0" y="4284"/>
-                  </a:lnTo>
-                  <a:lnTo>
-                    <a:pt x="4213" y="4284"/>
-                  </a:lnTo>
-                  <a:lnTo>
-                    <a:pt x="4213" y="4074"/>
-                  </a:lnTo>
-                  <a:lnTo>
-                    <a:pt x="210" y="4074"/>
-                  </a:lnTo>
-                  <a:lnTo>
-                    <a:pt x="210" y="1"/>
-                  </a:lnTo>
-                  <a:close/>
-                </a:path>
-              </a:pathLst>
-            </a:custGeom>
-            <a:solidFill>
-              <a:srgbClr val="FF9973"/>
-            </a:solidFill>
-            <a:ln w="9525" cap="flat" cmpd="sng">
-              <a:solidFill>
-                <a:schemeClr val="accent3"/>
-              </a:solidFill>
-              <a:prstDash val="solid"/>
-              <a:round/>
-              <a:headEnd type="none" w="sm" len="sm"/>
-              <a:tailEnd type="none" w="sm" len="sm"/>
-            </a:ln>
-          </p:spPr>
-          <p:txBody>
-            <a:bodyPr spcFirstLastPara="1" wrap="square" lIns="91425" tIns="91425" rIns="91425" bIns="91425" anchor="ctr" anchorCtr="0">
-              <a:noAutofit/>
-            </a:bodyPr>
-            <a:lstStyle/>
-            <a:p>
-              <a:pPr marL="0" lvl="0" indent="0" algn="l" rtl="0">
-                <a:spcBef>
-                  <a:spcPts val="0"/>
-                </a:spcBef>
-                <a:spcAft>
-                  <a:spcPts val="0"/>
-                </a:spcAft>
-                <a:buNone/>
-              </a:pPr>
-              <a:endParaRPr/>
-            </a:p>
-          </p:txBody>
-        </p:sp>
-        <p:sp>
-          <p:nvSpPr>
-            <p:cNvPr id="609" name="Google Shape;609;p34"/>
-            <p:cNvSpPr/>
-            <p:nvPr/>
-          </p:nvSpPr>
-          <p:spPr>
-            <a:xfrm>
-              <a:off x="5950575" y="939175"/>
-              <a:ext cx="76075" cy="78250"/>
-            </a:xfrm>
-            <a:custGeom>
-              <a:avLst/>
-              <a:gdLst/>
-              <a:ahLst/>
-              <a:cxnLst/>
-              <a:rect l="l" t="t" r="r" b="b"/>
-              <a:pathLst>
-                <a:path w="3043" h="3130" extrusionOk="0">
-                  <a:moveTo>
-                    <a:pt x="1" y="0"/>
-                  </a:moveTo>
-                  <a:lnTo>
-                    <a:pt x="1" y="210"/>
-                  </a:lnTo>
-                  <a:lnTo>
-                    <a:pt x="2833" y="210"/>
-                  </a:lnTo>
-                  <a:lnTo>
-                    <a:pt x="2833" y="3130"/>
-                  </a:lnTo>
-                  <a:lnTo>
-                    <a:pt x="3042" y="3130"/>
-                  </a:lnTo>
-                  <a:lnTo>
-                    <a:pt x="3042" y="0"/>
                   </a:lnTo>
                   <a:close/>
                 </a:path>
@@ -43546,6 +43313,231 @@
           </p:nvSpPr>
           <p:spPr>
             <a:xfrm>
+              <a:off x="4987800" y="-64350"/>
+              <a:ext cx="1082975" cy="2914922"/>
+            </a:xfrm>
+            <a:custGeom>
+              <a:avLst/>
+              <a:gdLst/>
+              <a:ahLst/>
+              <a:cxnLst/>
+              <a:rect l="l" t="t" r="r" b="b"/>
+              <a:pathLst>
+                <a:path w="43319" h="94995" extrusionOk="0">
+                  <a:moveTo>
+                    <a:pt x="0" y="1"/>
+                  </a:moveTo>
+                  <a:lnTo>
+                    <a:pt x="0" y="30716"/>
+                  </a:lnTo>
+                  <a:lnTo>
+                    <a:pt x="43127" y="30716"/>
+                  </a:lnTo>
+                  <a:lnTo>
+                    <a:pt x="43127" y="94994"/>
+                  </a:lnTo>
+                  <a:lnTo>
+                    <a:pt x="43319" y="94994"/>
+                  </a:lnTo>
+                  <a:lnTo>
+                    <a:pt x="43319" y="30523"/>
+                  </a:lnTo>
+                  <a:lnTo>
+                    <a:pt x="210" y="30523"/>
+                  </a:lnTo>
+                  <a:lnTo>
+                    <a:pt x="210" y="1"/>
+                  </a:lnTo>
+                  <a:close/>
+                </a:path>
+              </a:pathLst>
+            </a:custGeom>
+            <a:solidFill>
+              <a:srgbClr val="FF9973"/>
+            </a:solidFill>
+            <a:ln w="9525" cap="flat" cmpd="sng">
+              <a:solidFill>
+                <a:schemeClr val="accent3"/>
+              </a:solidFill>
+              <a:prstDash val="solid"/>
+              <a:round/>
+              <a:headEnd type="none" w="sm" len="sm"/>
+              <a:tailEnd type="none" w="sm" len="sm"/>
+            </a:ln>
+          </p:spPr>
+          <p:txBody>
+            <a:bodyPr spcFirstLastPara="1" wrap="square" lIns="91425" tIns="91425" rIns="91425" bIns="91425" anchor="ctr" anchorCtr="0">
+              <a:noAutofit/>
+            </a:bodyPr>
+            <a:lstStyle/>
+            <a:p>
+              <a:pPr marL="0" lvl="0" indent="0" algn="l" rtl="0">
+                <a:spcBef>
+                  <a:spcPts val="0"/>
+                </a:spcBef>
+                <a:spcAft>
+                  <a:spcPts val="0"/>
+                </a:spcAft>
+                <a:buNone/>
+              </a:pPr>
+              <a:endParaRPr/>
+            </a:p>
+          </p:txBody>
+        </p:sp>
+        <p:sp>
+          <p:nvSpPr>
+            <p:cNvPr id="611" name="Google Shape;611;p34"/>
+            <p:cNvSpPr/>
+            <p:nvPr/>
+          </p:nvSpPr>
+          <p:spPr>
+            <a:xfrm>
+              <a:off x="6127150" y="2700150"/>
+              <a:ext cx="105350" cy="107100"/>
+            </a:xfrm>
+            <a:custGeom>
+              <a:avLst/>
+              <a:gdLst/>
+              <a:ahLst/>
+              <a:cxnLst/>
+              <a:rect l="l" t="t" r="r" b="b"/>
+              <a:pathLst>
+                <a:path w="4214" h="4284" extrusionOk="0">
+                  <a:moveTo>
+                    <a:pt x="0" y="1"/>
+                  </a:moveTo>
+                  <a:lnTo>
+                    <a:pt x="0" y="4284"/>
+                  </a:lnTo>
+                  <a:lnTo>
+                    <a:pt x="4213" y="4284"/>
+                  </a:lnTo>
+                  <a:lnTo>
+                    <a:pt x="4213" y="4074"/>
+                  </a:lnTo>
+                  <a:lnTo>
+                    <a:pt x="210" y="4074"/>
+                  </a:lnTo>
+                  <a:lnTo>
+                    <a:pt x="210" y="1"/>
+                  </a:lnTo>
+                  <a:close/>
+                </a:path>
+              </a:pathLst>
+            </a:custGeom>
+            <a:solidFill>
+              <a:srgbClr val="FF9973"/>
+            </a:solidFill>
+            <a:ln w="9525" cap="flat" cmpd="sng">
+              <a:solidFill>
+                <a:schemeClr val="accent3"/>
+              </a:solidFill>
+              <a:prstDash val="solid"/>
+              <a:round/>
+              <a:headEnd type="none" w="sm" len="sm"/>
+              <a:tailEnd type="none" w="sm" len="sm"/>
+            </a:ln>
+          </p:spPr>
+          <p:txBody>
+            <a:bodyPr spcFirstLastPara="1" wrap="square" lIns="91425" tIns="91425" rIns="91425" bIns="91425" anchor="ctr" anchorCtr="0">
+              <a:noAutofit/>
+            </a:bodyPr>
+            <a:lstStyle/>
+            <a:p>
+              <a:pPr marL="0" lvl="0" indent="0" algn="l" rtl="0">
+                <a:spcBef>
+                  <a:spcPts val="0"/>
+                </a:spcBef>
+                <a:spcAft>
+                  <a:spcPts val="0"/>
+                </a:spcAft>
+                <a:buNone/>
+              </a:pPr>
+              <a:endParaRPr/>
+            </a:p>
+          </p:txBody>
+        </p:sp>
+        <p:sp>
+          <p:nvSpPr>
+            <p:cNvPr id="612" name="Google Shape;612;p34"/>
+            <p:cNvSpPr/>
+            <p:nvPr/>
+          </p:nvSpPr>
+          <p:spPr>
+            <a:xfrm>
+              <a:off x="5950575" y="939175"/>
+              <a:ext cx="76075" cy="78250"/>
+            </a:xfrm>
+            <a:custGeom>
+              <a:avLst/>
+              <a:gdLst/>
+              <a:ahLst/>
+              <a:cxnLst/>
+              <a:rect l="l" t="t" r="r" b="b"/>
+              <a:pathLst>
+                <a:path w="3043" h="3130" extrusionOk="0">
+                  <a:moveTo>
+                    <a:pt x="1" y="0"/>
+                  </a:moveTo>
+                  <a:lnTo>
+                    <a:pt x="1" y="210"/>
+                  </a:lnTo>
+                  <a:lnTo>
+                    <a:pt x="2833" y="210"/>
+                  </a:lnTo>
+                  <a:lnTo>
+                    <a:pt x="2833" y="3130"/>
+                  </a:lnTo>
+                  <a:lnTo>
+                    <a:pt x="3042" y="3130"/>
+                  </a:lnTo>
+                  <a:lnTo>
+                    <a:pt x="3042" y="0"/>
+                  </a:lnTo>
+                  <a:close/>
+                </a:path>
+              </a:pathLst>
+            </a:custGeom>
+            <a:solidFill>
+              <a:srgbClr val="FF9973"/>
+            </a:solidFill>
+            <a:ln w="9525" cap="flat" cmpd="sng">
+              <a:solidFill>
+                <a:schemeClr val="accent3"/>
+              </a:solidFill>
+              <a:prstDash val="solid"/>
+              <a:round/>
+              <a:headEnd type="none" w="sm" len="sm"/>
+              <a:tailEnd type="none" w="sm" len="sm"/>
+            </a:ln>
+          </p:spPr>
+          <p:txBody>
+            <a:bodyPr spcFirstLastPara="1" wrap="square" lIns="91425" tIns="91425" rIns="91425" bIns="91425" anchor="ctr" anchorCtr="0">
+              <a:noAutofit/>
+            </a:bodyPr>
+            <a:lstStyle/>
+            <a:p>
+              <a:pPr marL="0" lvl="0" indent="0" algn="l" rtl="0">
+                <a:spcBef>
+                  <a:spcPts val="0"/>
+                </a:spcBef>
+                <a:spcAft>
+                  <a:spcPts val="0"/>
+                </a:spcAft>
+                <a:buNone/>
+              </a:pPr>
+              <a:endParaRPr/>
+            </a:p>
+          </p:txBody>
+        </p:sp>
+        <p:sp>
+          <p:nvSpPr>
+            <p:cNvPr id="613" name="Google Shape;613;p34"/>
+            <p:cNvSpPr/>
+            <p:nvPr/>
+          </p:nvSpPr>
+          <p:spPr>
+            <a:xfrm>
               <a:off x="5032375" y="744525"/>
               <a:ext cx="77800" cy="78250"/>
             </a:xfrm>
@@ -43614,14 +43606,14 @@
       </p:grpSp>
       <p:sp>
         <p:nvSpPr>
-          <p:cNvPr id="611" name="Google Shape;611;p34"/>
+          <p:cNvPr id="614" name="Google Shape;614;p34"/>
           <p:cNvSpPr txBox="1"/>
           <p:nvPr/>
         </p:nvSpPr>
         <p:spPr>
           <a:xfrm>
             <a:off x="4947725" y="989475"/>
-            <a:ext cx="3678300" cy="1862400"/>
+            <a:ext cx="3678300" cy="2206200"/>
           </a:xfrm>
           <a:prstGeom prst="rect">
             <a:avLst/>
@@ -43773,6 +43765,43 @@
                 <a:sym typeface="Maven Pro"/>
               </a:rPr>
               <a:t>Ridge regression has smallest test error → best model for college data</a:t>
+            </a:r>
+            <a:endParaRPr>
+              <a:solidFill>
+                <a:schemeClr val="lt1"/>
+              </a:solidFill>
+              <a:latin typeface="Maven Pro"/>
+              <a:ea typeface="Maven Pro"/>
+              <a:cs typeface="Maven Pro"/>
+              <a:sym typeface="Maven Pro"/>
+            </a:endParaRPr>
+          </a:p>
+          <a:p>
+            <a:pPr marL="914400" lvl="1" indent="-317500" algn="l" rtl="0">
+              <a:spcBef>
+                <a:spcPts val="1000"/>
+              </a:spcBef>
+              <a:spcAft>
+                <a:spcPts val="0"/>
+              </a:spcAft>
+              <a:buClr>
+                <a:schemeClr val="lt1"/>
+              </a:buClr>
+              <a:buSzPts val="1400"/>
+              <a:buFont typeface="Maven Pro"/>
+              <a:buChar char="○"/>
+            </a:pPr>
+            <a:r>
+              <a:rPr lang="en">
+                <a:solidFill>
+                  <a:schemeClr val="lt1"/>
+                </a:solidFill>
+                <a:latin typeface="Maven Pro"/>
+                <a:ea typeface="Maven Pro"/>
+                <a:cs typeface="Maven Pro"/>
+                <a:sym typeface="Maven Pro"/>
+              </a:rPr>
+              <a:t>R^2 = .9705</a:t>
             </a:r>
             <a:endParaRPr>
               <a:solidFill>
@@ -43799,7 +43828,7 @@
   <p:cSld>
     <p:spTree>
       <p:nvGrpSpPr>
-        <p:cNvPr id="1" name="Shape 615"/>
+        <p:cNvPr id="1" name="Shape 618"/>
         <p:cNvGrpSpPr/>
         <p:nvPr/>
       </p:nvGrpSpPr>
@@ -43813,7 +43842,7 @@
       </p:grpSpPr>
       <p:sp>
         <p:nvSpPr>
-          <p:cNvPr id="616" name="Google Shape;616;p35"/>
+          <p:cNvPr id="619" name="Google Shape;619;p35"/>
           <p:cNvSpPr txBox="1">
             <a:spLocks noGrp="1"/>
           </p:cNvSpPr>
@@ -43855,7 +43884,7 @@
       </p:sp>
       <p:sp>
         <p:nvSpPr>
-          <p:cNvPr id="617" name="Google Shape;617;p35"/>
+          <p:cNvPr id="620" name="Google Shape;620;p35"/>
           <p:cNvSpPr txBox="1">
             <a:spLocks noGrp="1"/>
           </p:cNvSpPr>
@@ -43906,7 +43935,7 @@
       </p:sp>
       <p:sp>
         <p:nvSpPr>
-          <p:cNvPr id="618" name="Google Shape;618;p35"/>
+          <p:cNvPr id="621" name="Google Shape;621;p35"/>
           <p:cNvSpPr/>
           <p:nvPr/>
         </p:nvSpPr>
@@ -43946,7 +43975,7 @@
       </p:sp>
       <p:sp>
         <p:nvSpPr>
-          <p:cNvPr id="619" name="Google Shape;619;p35"/>
+          <p:cNvPr id="622" name="Google Shape;622;p35"/>
           <p:cNvSpPr/>
           <p:nvPr/>
         </p:nvSpPr>
@@ -44021,7 +44050,7 @@
       </p:sp>
       <p:sp>
         <p:nvSpPr>
-          <p:cNvPr id="620" name="Google Shape;620;p35"/>
+          <p:cNvPr id="623" name="Google Shape;623;p35"/>
           <p:cNvSpPr/>
           <p:nvPr/>
         </p:nvSpPr>
@@ -44096,9 +44125,9 @@
       </p:sp>
       <p:cxnSp>
         <p:nvCxnSpPr>
-          <p:cNvPr id="621" name="Google Shape;621;p35"/>
+          <p:cNvPr id="624" name="Google Shape;624;p35"/>
           <p:cNvCxnSpPr>
-            <a:stCxn id="618" idx="2"/>
+            <a:stCxn id="621" idx="2"/>
           </p:cNvCxnSpPr>
           <p:nvPr/>
         </p:nvCxnSpPr>
@@ -44124,7 +44153,7 @@
       </p:cxnSp>
       <p:grpSp>
         <p:nvGrpSpPr>
-          <p:cNvPr id="622" name="Google Shape;622;p35"/>
+          <p:cNvPr id="625" name="Google Shape;625;p35"/>
           <p:cNvGrpSpPr/>
           <p:nvPr/>
         </p:nvGrpSpPr>
@@ -44138,7 +44167,7 @@
         </p:grpSpPr>
         <p:sp>
           <p:nvSpPr>
-            <p:cNvPr id="623" name="Google Shape;623;p35"/>
+            <p:cNvPr id="626" name="Google Shape;626;p35"/>
             <p:cNvSpPr/>
             <p:nvPr/>
           </p:nvSpPr>
@@ -44310,7 +44339,7 @@
         </p:sp>
         <p:sp>
           <p:nvSpPr>
-            <p:cNvPr id="624" name="Google Shape;624;p35"/>
+            <p:cNvPr id="627" name="Google Shape;627;p35"/>
             <p:cNvSpPr/>
             <p:nvPr/>
           </p:nvSpPr>
@@ -44426,7 +44455,7 @@
         </p:sp>
         <p:sp>
           <p:nvSpPr>
-            <p:cNvPr id="625" name="Google Shape;625;p35"/>
+            <p:cNvPr id="628" name="Google Shape;628;p35"/>
             <p:cNvSpPr/>
             <p:nvPr/>
           </p:nvSpPr>
@@ -44706,7 +44735,7 @@
   <p:cSld>
     <p:spTree>
       <p:nvGrpSpPr>
-        <p:cNvPr id="1" name="Shape 629"/>
+        <p:cNvPr id="1" name="Shape 632"/>
         <p:cNvGrpSpPr/>
         <p:nvPr/>
       </p:nvGrpSpPr>
@@ -44720,7 +44749,7 @@
       </p:grpSpPr>
       <p:sp>
         <p:nvSpPr>
-          <p:cNvPr id="630" name="Google Shape;630;p36"/>
+          <p:cNvPr id="633" name="Google Shape;633;p36"/>
           <p:cNvSpPr txBox="1">
             <a:spLocks noGrp="1"/>
           </p:cNvSpPr>
@@ -49100,8 +49129,8 @@
         </p:nvSpPr>
         <p:spPr>
           <a:xfrm>
-            <a:off x="2484000" y="3001875"/>
-            <a:ext cx="4176000" cy="461700"/>
+            <a:off x="2387225" y="3024775"/>
+            <a:ext cx="5680800" cy="461700"/>
           </a:xfrm>
           <a:prstGeom prst="rect">
             <a:avLst/>
@@ -49136,7 +49165,7 @@
                 <a:cs typeface="Maven Pro"/>
                 <a:sym typeface="Maven Pro"/>
               </a:rPr>
-              <a:t>Where p is the number of predictors</a:t>
+              <a:t>Where p is the number of independent variables</a:t>
             </a:r>
             <a:endParaRPr sz="1800">
               <a:latin typeface="Maven Pro"/>
@@ -49878,8 +49907,8 @@
         </p:nvSpPr>
         <p:spPr>
           <a:xfrm>
-            <a:off x="3185375" y="1746350"/>
-            <a:ext cx="4813800" cy="577800"/>
+            <a:off x="3185374" y="1746350"/>
+            <a:ext cx="4968025" cy="577800"/>
           </a:xfrm>
           <a:prstGeom prst="rect">
             <a:avLst/>
@@ -49901,15 +49930,15 @@
               <a:buNone/>
             </a:pPr>
             <a:r>
-              <a:rPr lang="en" sz="2400">
+              <a:rPr lang="en" sz="2400" dirty="0">
                 <a:latin typeface="Maven Pro"/>
                 <a:ea typeface="Maven Pro"/>
                 <a:cs typeface="Maven Pro"/>
                 <a:sym typeface="Maven Pro"/>
               </a:rPr>
-              <a:t>predict(lmtrain, newdata = test) </a:t>
+              <a:t>predict(                                       ) </a:t>
             </a:r>
-            <a:endParaRPr sz="2400">
+            <a:endParaRPr sz="2400" dirty="0">
               <a:latin typeface="Maven Pro"/>
               <a:ea typeface="Maven Pro"/>
               <a:cs typeface="Maven Pro"/>
@@ -50117,6 +50146,144 @@
               <a:cs typeface="Maven Pro"/>
               <a:sym typeface="Maven Pro"/>
             </a:endParaRPr>
+          </a:p>
+        </p:txBody>
+      </p:sp>
+      <p:sp>
+        <p:nvSpPr>
+          <p:cNvPr id="523" name="Google Shape;523;p27"/>
+          <p:cNvSpPr/>
+          <p:nvPr/>
+        </p:nvSpPr>
+        <p:spPr>
+          <a:xfrm>
+            <a:off x="4410200" y="1812550"/>
+            <a:ext cx="1022700" cy="577800"/>
+          </a:xfrm>
+          <a:prstGeom prst="rect">
+            <a:avLst/>
+          </a:prstGeom>
+          <a:noFill/>
+          <a:ln w="28575" cap="flat" cmpd="sng">
+            <a:solidFill>
+              <a:schemeClr val="accent3"/>
+            </a:solidFill>
+            <a:prstDash val="solid"/>
+            <a:round/>
+            <a:headEnd type="none" w="sm" len="sm"/>
+            <a:tailEnd type="none" w="sm" len="sm"/>
+          </a:ln>
+        </p:spPr>
+        <p:txBody>
+          <a:bodyPr spcFirstLastPara="1" wrap="square" lIns="91425" tIns="91425" rIns="91425" bIns="91425" anchor="ctr" anchorCtr="0">
+            <a:noAutofit/>
+          </a:bodyPr>
+          <a:lstStyle/>
+          <a:p>
+            <a:pPr marL="0" lvl="0" indent="0" algn="l" rtl="0">
+              <a:spcBef>
+                <a:spcPts val="0"/>
+              </a:spcBef>
+              <a:spcAft>
+                <a:spcPts val="0"/>
+              </a:spcAft>
+              <a:buNone/>
+            </a:pPr>
+            <a:endParaRPr/>
+          </a:p>
+        </p:txBody>
+      </p:sp>
+      <p:sp>
+        <p:nvSpPr>
+          <p:cNvPr id="524" name="Google Shape;524;p27"/>
+          <p:cNvSpPr txBox="1"/>
+          <p:nvPr/>
+        </p:nvSpPr>
+        <p:spPr>
+          <a:xfrm>
+            <a:off x="4341500" y="1775975"/>
+            <a:ext cx="3753900" cy="538800"/>
+          </a:xfrm>
+          <a:prstGeom prst="rect">
+            <a:avLst/>
+          </a:prstGeom>
+          <a:noFill/>
+          <a:ln>
+            <a:noFill/>
+          </a:ln>
+        </p:spPr>
+        <p:txBody>
+          <a:bodyPr spcFirstLastPara="1" wrap="square" lIns="91425" tIns="91425" rIns="91425" bIns="91425" anchor="t" anchorCtr="0">
+            <a:spAutoFit/>
+          </a:bodyPr>
+          <a:lstStyle/>
+          <a:p>
+            <a:pPr marL="0" lvl="0" indent="0" algn="l" rtl="0">
+              <a:spcBef>
+                <a:spcPts val="0"/>
+              </a:spcBef>
+              <a:spcAft>
+                <a:spcPts val="0"/>
+              </a:spcAft>
+              <a:buNone/>
+            </a:pPr>
+            <a:r>
+              <a:rPr lang="en" sz="2300">
+                <a:solidFill>
+                  <a:schemeClr val="accent2"/>
+                </a:solidFill>
+                <a:latin typeface="Maven Pro"/>
+                <a:ea typeface="Maven Pro"/>
+                <a:cs typeface="Maven Pro"/>
+                <a:sym typeface="Maven Pro"/>
+              </a:rPr>
+              <a:t>lmtrain , newdata = test </a:t>
+            </a:r>
+            <a:endParaRPr sz="1300"/>
+          </a:p>
+        </p:txBody>
+      </p:sp>
+      <p:sp>
+        <p:nvSpPr>
+          <p:cNvPr id="525" name="Google Shape;525;p27"/>
+          <p:cNvSpPr/>
+          <p:nvPr/>
+        </p:nvSpPr>
+        <p:spPr>
+          <a:xfrm>
+            <a:off x="5600675" y="1812550"/>
+            <a:ext cx="2091000" cy="577800"/>
+          </a:xfrm>
+          <a:prstGeom prst="rect">
+            <a:avLst/>
+          </a:prstGeom>
+          <a:noFill/>
+          <a:ln w="28575" cap="flat" cmpd="sng">
+            <a:solidFill>
+              <a:schemeClr val="accent3"/>
+            </a:solidFill>
+            <a:prstDash val="solid"/>
+            <a:round/>
+            <a:headEnd type="none" w="sm" len="sm"/>
+            <a:tailEnd type="none" w="sm" len="sm"/>
+          </a:ln>
+        </p:spPr>
+        <p:txBody>
+          <a:bodyPr spcFirstLastPara="1" wrap="square" lIns="91425" tIns="91425" rIns="91425" bIns="91425" anchor="ctr" anchorCtr="0">
+            <a:noAutofit/>
+          </a:bodyPr>
+          <a:lstStyle/>
+          <a:p>
+            <a:pPr marL="0" lvl="0" indent="0" algn="l" rtl="0">
+              <a:spcBef>
+                <a:spcPts val="0"/>
+              </a:spcBef>
+              <a:spcAft>
+                <a:spcPts val="0"/>
+              </a:spcAft>
+              <a:buNone/>
+            </a:pPr>
+            <a:endParaRPr/>
           </a:p>
         </p:txBody>
       </p:sp>
@@ -50371,7 +50538,7 @@
                                           </p:stCondLst>
                                         </p:cTn>
                                         <p:tgtEl>
-                                          <p:spTgt spid="522"/>
+                                          <p:spTgt spid="523"/>
                                         </p:tgtEl>
                                         <p:attrNameLst>
                                           <p:attrName>style.visibility</p:attrName>
@@ -50385,7 +50552,7 @@
                                       <p:cBhvr>
                                         <p:cTn id="27" dur="1000"/>
                                         <p:tgtEl>
-                                          <p:spTgt spid="522"/>
+                                          <p:spTgt spid="523"/>
                                         </p:tgtEl>
                                       </p:cBhvr>
                                     </p:animEffect>
@@ -50424,6 +50591,165 @@
                                           </p:stCondLst>
                                         </p:cTn>
                                         <p:tgtEl>
+                                          <p:spTgt spid="525"/>
+                                        </p:tgtEl>
+                                        <p:attrNameLst>
+                                          <p:attrName>style.visibility</p:attrName>
+                                        </p:attrNameLst>
+                                      </p:cBhvr>
+                                      <p:to>
+                                        <p:strVal val="visible"/>
+                                      </p:to>
+                                    </p:set>
+                                    <p:animEffect transition="in" filter="fade">
+                                      <p:cBhvr>
+                                        <p:cTn id="32" dur="1000"/>
+                                        <p:tgtEl>
+                                          <p:spTgt spid="525"/>
+                                        </p:tgtEl>
+                                      </p:cBhvr>
+                                    </p:animEffect>
+                                  </p:childTnLst>
+                                </p:cTn>
+                              </p:par>
+                            </p:childTnLst>
+                          </p:cTn>
+                        </p:par>
+                      </p:childTnLst>
+                    </p:cTn>
+                  </p:par>
+                  <p:par>
+                    <p:cTn id="33" fill="hold">
+                      <p:stCondLst>
+                        <p:cond delay="indefinite"/>
+                      </p:stCondLst>
+                      <p:childTnLst>
+                        <p:par>
+                          <p:cTn id="34" fill="hold">
+                            <p:stCondLst>
+                              <p:cond delay="0"/>
+                            </p:stCondLst>
+                            <p:childTnLst>
+                              <p:par>
+                                <p:cTn id="35" presetID="10" presetClass="entr" presetSubtype="0" fill="hold" nodeType="clickEffect">
+                                  <p:stCondLst>
+                                    <p:cond delay="0"/>
+                                  </p:stCondLst>
+                                  <p:childTnLst>
+                                    <p:set>
+                                      <p:cBhvr>
+                                        <p:cTn id="36" dur="1" fill="hold">
+                                          <p:stCondLst>
+                                            <p:cond delay="0"/>
+                                          </p:stCondLst>
+                                        </p:cTn>
+                                        <p:tgtEl>
+                                          <p:spTgt spid="524"/>
+                                        </p:tgtEl>
+                                        <p:attrNameLst>
+                                          <p:attrName>style.visibility</p:attrName>
+                                        </p:attrNameLst>
+                                      </p:cBhvr>
+                                      <p:to>
+                                        <p:strVal val="visible"/>
+                                      </p:to>
+                                    </p:set>
+                                    <p:animEffect transition="in" filter="fade">
+                                      <p:cBhvr>
+                                        <p:cTn id="37" dur="1000"/>
+                                        <p:tgtEl>
+                                          <p:spTgt spid="524"/>
+                                        </p:tgtEl>
+                                      </p:cBhvr>
+                                    </p:animEffect>
+                                  </p:childTnLst>
+                                </p:cTn>
+                              </p:par>
+                            </p:childTnLst>
+                          </p:cTn>
+                        </p:par>
+                      </p:childTnLst>
+                    </p:cTn>
+                  </p:par>
+                  <p:par>
+                    <p:cTn id="38" fill="hold">
+                      <p:stCondLst>
+                        <p:cond delay="indefinite"/>
+                      </p:stCondLst>
+                      <p:childTnLst>
+                        <p:par>
+                          <p:cTn id="39" fill="hold">
+                            <p:stCondLst>
+                              <p:cond delay="0"/>
+                            </p:stCondLst>
+                            <p:childTnLst>
+                              <p:par>
+                                <p:cTn id="40" presetID="10" presetClass="entr" presetSubtype="0" fill="hold" nodeType="clickEffect">
+                                  <p:stCondLst>
+                                    <p:cond delay="0"/>
+                                  </p:stCondLst>
+                                  <p:childTnLst>
+                                    <p:set>
+                                      <p:cBhvr>
+                                        <p:cTn id="41" dur="1" fill="hold">
+                                          <p:stCondLst>
+                                            <p:cond delay="0"/>
+                                          </p:stCondLst>
+                                        </p:cTn>
+                                        <p:tgtEl>
+                                          <p:spTgt spid="522"/>
+                                        </p:tgtEl>
+                                        <p:attrNameLst>
+                                          <p:attrName>style.visibility</p:attrName>
+                                        </p:attrNameLst>
+                                      </p:cBhvr>
+                                      <p:to>
+                                        <p:strVal val="visible"/>
+                                      </p:to>
+                                    </p:set>
+                                    <p:animEffect transition="in" filter="fade">
+                                      <p:cBhvr>
+                                        <p:cTn id="42" dur="1000"/>
+                                        <p:tgtEl>
+                                          <p:spTgt spid="522"/>
+                                        </p:tgtEl>
+                                      </p:cBhvr>
+                                    </p:animEffect>
+                                  </p:childTnLst>
+                                </p:cTn>
+                              </p:par>
+                            </p:childTnLst>
+                          </p:cTn>
+                        </p:par>
+                      </p:childTnLst>
+                    </p:cTn>
+                  </p:par>
+                  <p:par>
+                    <p:cTn id="43" fill="hold">
+                      <p:stCondLst>
+                        <p:cond delay="indefinite"/>
+                      </p:stCondLst>
+                      <p:childTnLst>
+                        <p:par>
+                          <p:cTn id="44" fill="hold">
+                            <p:stCondLst>
+                              <p:cond delay="0"/>
+                            </p:stCondLst>
+                            <p:childTnLst>
+                              <p:par>
+                                <p:cTn id="45" presetID="10" presetClass="entr" presetSubtype="0" fill="hold" nodeType="clickEffect">
+                                  <p:stCondLst>
+                                    <p:cond delay="0"/>
+                                  </p:stCondLst>
+                                  <p:childTnLst>
+                                    <p:set>
+                                      <p:cBhvr>
+                                        <p:cTn id="46" dur="1" fill="hold">
+                                          <p:stCondLst>
+                                            <p:cond delay="0"/>
+                                          </p:stCondLst>
+                                        </p:cTn>
+                                        <p:tgtEl>
                                           <p:spTgt spid="519"/>
                                         </p:tgtEl>
                                         <p:attrNameLst>
@@ -50436,7 +50762,7 @@
                                     </p:set>
                                     <p:animEffect transition="in" filter="fade">
                                       <p:cBhvr>
-                                        <p:cTn id="32" dur="1000"/>
+                                        <p:cTn id="47" dur="1000"/>
                                         <p:tgtEl>
                                           <p:spTgt spid="519"/>
                                         </p:tgtEl>
@@ -50481,7 +50807,7 @@
   <p:cSld>
     <p:spTree>
       <p:nvGrpSpPr>
-        <p:cNvPr id="1" name="Shape 526"/>
+        <p:cNvPr id="1" name="Shape 529"/>
         <p:cNvGrpSpPr/>
         <p:nvPr/>
       </p:nvGrpSpPr>
@@ -50495,7 +50821,7 @@
       </p:grpSpPr>
       <p:sp>
         <p:nvSpPr>
-          <p:cNvPr id="527" name="Google Shape;527;p28"/>
+          <p:cNvPr id="530" name="Google Shape;530;p28"/>
           <p:cNvSpPr txBox="1">
             <a:spLocks noGrp="1"/>
           </p:cNvSpPr>
@@ -50630,7 +50956,7 @@
       </p:sp>
       <p:sp>
         <p:nvSpPr>
-          <p:cNvPr id="528" name="Google Shape;528;p28"/>
+          <p:cNvPr id="531" name="Google Shape;531;p28"/>
           <p:cNvSpPr txBox="1">
             <a:spLocks noGrp="1"/>
           </p:cNvSpPr>
@@ -50672,7 +50998,7 @@
       </p:sp>
       <p:grpSp>
         <p:nvGrpSpPr>
-          <p:cNvPr id="529" name="Google Shape;529;p28"/>
+          <p:cNvPr id="532" name="Google Shape;532;p28"/>
           <p:cNvGrpSpPr/>
           <p:nvPr/>
         </p:nvGrpSpPr>
@@ -50686,7 +51012,7 @@
         </p:grpSpPr>
         <p:sp>
           <p:nvSpPr>
-            <p:cNvPr id="530" name="Google Shape;530;p28"/>
+            <p:cNvPr id="533" name="Google Shape;533;p28"/>
             <p:cNvSpPr/>
             <p:nvPr/>
           </p:nvSpPr>
@@ -50738,7 +51064,7 @@
         </p:sp>
         <p:sp>
           <p:nvSpPr>
-            <p:cNvPr id="531" name="Google Shape;531;p28"/>
+            <p:cNvPr id="534" name="Google Shape;534;p28"/>
             <p:cNvSpPr/>
             <p:nvPr/>
           </p:nvSpPr>
@@ -50852,7 +51178,7 @@
         </p:sp>
         <p:sp>
           <p:nvSpPr>
-            <p:cNvPr id="532" name="Google Shape;532;p28"/>
+            <p:cNvPr id="535" name="Google Shape;535;p28"/>
             <p:cNvSpPr/>
             <p:nvPr/>
           </p:nvSpPr>
@@ -50966,7 +51292,7 @@
         </p:sp>
         <p:sp>
           <p:nvSpPr>
-            <p:cNvPr id="533" name="Google Shape;533;p28"/>
+            <p:cNvPr id="536" name="Google Shape;536;p28"/>
             <p:cNvSpPr/>
             <p:nvPr/>
           </p:nvSpPr>
@@ -50991,189 +51317,6 @@
                   </a:lnTo>
                   <a:lnTo>
                     <a:pt x="4004" y="1207"/>
-                  </a:lnTo>
-                  <a:lnTo>
-                    <a:pt x="4004" y="0"/>
-                  </a:lnTo>
-                  <a:close/>
-                </a:path>
-              </a:pathLst>
-            </a:custGeom>
-            <a:solidFill>
-              <a:srgbClr val="00CFCC"/>
-            </a:solidFill>
-            <a:ln>
-              <a:noFill/>
-            </a:ln>
-          </p:spPr>
-          <p:txBody>
-            <a:bodyPr spcFirstLastPara="1" wrap="square" lIns="91425" tIns="91425" rIns="91425" bIns="91425" anchor="ctr" anchorCtr="0">
-              <a:noAutofit/>
-            </a:bodyPr>
-            <a:lstStyle/>
-            <a:p>
-              <a:pPr marL="0" lvl="0" indent="0" algn="l" rtl="0">
-                <a:spcBef>
-                  <a:spcPts val="0"/>
-                </a:spcBef>
-                <a:spcAft>
-                  <a:spcPts val="0"/>
-                </a:spcAft>
-                <a:buNone/>
-              </a:pPr>
-              <a:endParaRPr/>
-            </a:p>
-          </p:txBody>
-        </p:sp>
-        <p:sp>
-          <p:nvSpPr>
-            <p:cNvPr id="534" name="Google Shape;534;p28"/>
-            <p:cNvSpPr/>
-            <p:nvPr/>
-          </p:nvSpPr>
-          <p:spPr>
-            <a:xfrm>
-              <a:off x="2501950" y="2341800"/>
-              <a:ext cx="100100" cy="30175"/>
-            </a:xfrm>
-            <a:custGeom>
-              <a:avLst/>
-              <a:gdLst/>
-              <a:ahLst/>
-              <a:cxnLst/>
-              <a:rect l="l" t="t" r="r" b="b"/>
-              <a:pathLst>
-                <a:path w="4004" h="1207" extrusionOk="0">
-                  <a:moveTo>
-                    <a:pt x="0" y="0"/>
-                  </a:moveTo>
-                  <a:lnTo>
-                    <a:pt x="0" y="1206"/>
-                  </a:lnTo>
-                  <a:lnTo>
-                    <a:pt x="4004" y="1206"/>
-                  </a:lnTo>
-                  <a:lnTo>
-                    <a:pt x="4004" y="0"/>
-                  </a:lnTo>
-                  <a:close/>
-                </a:path>
-              </a:pathLst>
-            </a:custGeom>
-            <a:solidFill>
-              <a:srgbClr val="00CFCC"/>
-            </a:solidFill>
-            <a:ln>
-              <a:noFill/>
-            </a:ln>
-          </p:spPr>
-          <p:txBody>
-            <a:bodyPr spcFirstLastPara="1" wrap="square" lIns="91425" tIns="91425" rIns="91425" bIns="91425" anchor="ctr" anchorCtr="0">
-              <a:noAutofit/>
-            </a:bodyPr>
-            <a:lstStyle/>
-            <a:p>
-              <a:pPr marL="0" lvl="0" indent="0" algn="l" rtl="0">
-                <a:spcBef>
-                  <a:spcPts val="0"/>
-                </a:spcBef>
-                <a:spcAft>
-                  <a:spcPts val="0"/>
-                </a:spcAft>
-                <a:buNone/>
-              </a:pPr>
-              <a:endParaRPr/>
-            </a:p>
-          </p:txBody>
-        </p:sp>
-        <p:sp>
-          <p:nvSpPr>
-            <p:cNvPr id="535" name="Google Shape;535;p28"/>
-            <p:cNvSpPr/>
-            <p:nvPr/>
-          </p:nvSpPr>
-          <p:spPr>
-            <a:xfrm>
-              <a:off x="2501950" y="2471150"/>
-              <a:ext cx="100100" cy="30175"/>
-            </a:xfrm>
-            <a:custGeom>
-              <a:avLst/>
-              <a:gdLst/>
-              <a:ahLst/>
-              <a:cxnLst/>
-              <a:rect l="l" t="t" r="r" b="b"/>
-              <a:pathLst>
-                <a:path w="4004" h="1207" extrusionOk="0">
-                  <a:moveTo>
-                    <a:pt x="0" y="1"/>
-                  </a:moveTo>
-                  <a:lnTo>
-                    <a:pt x="0" y="1207"/>
-                  </a:lnTo>
-                  <a:lnTo>
-                    <a:pt x="4004" y="1207"/>
-                  </a:lnTo>
-                  <a:lnTo>
-                    <a:pt x="4004" y="1"/>
-                  </a:lnTo>
-                  <a:close/>
-                </a:path>
-              </a:pathLst>
-            </a:custGeom>
-            <a:solidFill>
-              <a:srgbClr val="00CFCC"/>
-            </a:solidFill>
-            <a:ln>
-              <a:noFill/>
-            </a:ln>
-          </p:spPr>
-          <p:txBody>
-            <a:bodyPr spcFirstLastPara="1" wrap="square" lIns="91425" tIns="91425" rIns="91425" bIns="91425" anchor="ctr" anchorCtr="0">
-              <a:noAutofit/>
-            </a:bodyPr>
-            <a:lstStyle/>
-            <a:p>
-              <a:pPr marL="0" lvl="0" indent="0" algn="l" rtl="0">
-                <a:spcBef>
-                  <a:spcPts val="0"/>
-                </a:spcBef>
-                <a:spcAft>
-                  <a:spcPts val="0"/>
-                </a:spcAft>
-                <a:buNone/>
-              </a:pPr>
-              <a:endParaRPr/>
-            </a:p>
-          </p:txBody>
-        </p:sp>
-        <p:sp>
-          <p:nvSpPr>
-            <p:cNvPr id="536" name="Google Shape;536;p28"/>
-            <p:cNvSpPr/>
-            <p:nvPr/>
-          </p:nvSpPr>
-          <p:spPr>
-            <a:xfrm>
-              <a:off x="2501950" y="2535400"/>
-              <a:ext cx="100100" cy="30600"/>
-            </a:xfrm>
-            <a:custGeom>
-              <a:avLst/>
-              <a:gdLst/>
-              <a:ahLst/>
-              <a:cxnLst/>
-              <a:rect l="l" t="t" r="r" b="b"/>
-              <a:pathLst>
-                <a:path w="4004" h="1224" extrusionOk="0">
-                  <a:moveTo>
-                    <a:pt x="0" y="0"/>
-                  </a:moveTo>
-                  <a:lnTo>
-                    <a:pt x="0" y="1224"/>
-                  </a:lnTo>
-                  <a:lnTo>
-                    <a:pt x="4004" y="1224"/>
                   </a:lnTo>
                   <a:lnTo>
                     <a:pt x="4004" y="0"/>
@@ -51216,8 +51359,8 @@
           </p:nvSpPr>
           <p:spPr>
             <a:xfrm>
-              <a:off x="2501950" y="2600075"/>
-              <a:ext cx="100100" cy="30625"/>
+              <a:off x="2501950" y="2341800"/>
+              <a:ext cx="100100" cy="30175"/>
             </a:xfrm>
             <a:custGeom>
               <a:avLst/>
@@ -51226,18 +51369,18 @@
               <a:cxnLst/>
               <a:rect l="l" t="t" r="r" b="b"/>
               <a:pathLst>
-                <a:path w="4004" h="1225" extrusionOk="0">
+                <a:path w="4004" h="1207" extrusionOk="0">
                   <a:moveTo>
-                    <a:pt x="0" y="1"/>
+                    <a:pt x="0" y="0"/>
                   </a:moveTo>
                   <a:lnTo>
-                    <a:pt x="0" y="1224"/>
-                  </a:lnTo>
-                  <a:lnTo>
-                    <a:pt x="4004" y="1224"/>
-                  </a:lnTo>
-                  <a:lnTo>
-                    <a:pt x="4004" y="1"/>
+                    <a:pt x="0" y="1206"/>
+                  </a:lnTo>
+                  <a:lnTo>
+                    <a:pt x="4004" y="1206"/>
+                  </a:lnTo>
+                  <a:lnTo>
+                    <a:pt x="4004" y="0"/>
                   </a:lnTo>
                   <a:close/>
                 </a:path>
@@ -51277,7 +51420,7 @@
           </p:nvSpPr>
           <p:spPr>
             <a:xfrm>
-              <a:off x="2501950" y="2083075"/>
+              <a:off x="2501950" y="2471150"/>
               <a:ext cx="100100" cy="30175"/>
             </a:xfrm>
             <a:custGeom>
@@ -51289,16 +51432,16 @@
               <a:pathLst>
                 <a:path w="4004" h="1207" extrusionOk="0">
                   <a:moveTo>
-                    <a:pt x="0" y="0"/>
+                    <a:pt x="0" y="1"/>
                   </a:moveTo>
                   <a:lnTo>
-                    <a:pt x="0" y="1206"/>
-                  </a:lnTo>
-                  <a:lnTo>
-                    <a:pt x="4004" y="1206"/>
-                  </a:lnTo>
-                  <a:lnTo>
-                    <a:pt x="4004" y="0"/>
+                    <a:pt x="0" y="1207"/>
+                  </a:lnTo>
+                  <a:lnTo>
+                    <a:pt x="4004" y="1207"/>
+                  </a:lnTo>
+                  <a:lnTo>
+                    <a:pt x="4004" y="1"/>
                   </a:lnTo>
                   <a:close/>
                 </a:path>
@@ -51338,8 +51481,8 @@
           </p:nvSpPr>
           <p:spPr>
             <a:xfrm>
-              <a:off x="2501950" y="2018375"/>
-              <a:ext cx="100100" cy="30200"/>
+              <a:off x="2501950" y="2535400"/>
+              <a:ext cx="100100" cy="30600"/>
             </a:xfrm>
             <a:custGeom>
               <a:avLst/>
@@ -51348,18 +51491,18 @@
               <a:cxnLst/>
               <a:rect l="l" t="t" r="r" b="b"/>
               <a:pathLst>
-                <a:path w="4004" h="1208" extrusionOk="0">
+                <a:path w="4004" h="1224" extrusionOk="0">
                   <a:moveTo>
-                    <a:pt x="0" y="1"/>
+                    <a:pt x="0" y="0"/>
                   </a:moveTo>
                   <a:lnTo>
-                    <a:pt x="0" y="1207"/>
-                  </a:lnTo>
-                  <a:lnTo>
-                    <a:pt x="4004" y="1207"/>
-                  </a:lnTo>
-                  <a:lnTo>
-                    <a:pt x="4004" y="1"/>
+                    <a:pt x="0" y="1224"/>
+                  </a:lnTo>
+                  <a:lnTo>
+                    <a:pt x="4004" y="1224"/>
+                  </a:lnTo>
+                  <a:lnTo>
+                    <a:pt x="4004" y="0"/>
                   </a:lnTo>
                   <a:close/>
                 </a:path>
@@ -51399,8 +51542,8 @@
           </p:nvSpPr>
           <p:spPr>
             <a:xfrm>
-              <a:off x="2501950" y="2147750"/>
-              <a:ext cx="100100" cy="30175"/>
+              <a:off x="2501950" y="2600075"/>
+              <a:ext cx="100100" cy="30625"/>
             </a:xfrm>
             <a:custGeom>
               <a:avLst/>
@@ -51409,18 +51552,18 @@
               <a:cxnLst/>
               <a:rect l="l" t="t" r="r" b="b"/>
               <a:pathLst>
-                <a:path w="4004" h="1207" extrusionOk="0">
+                <a:path w="4004" h="1225" extrusionOk="0">
                   <a:moveTo>
-                    <a:pt x="0" y="0"/>
+                    <a:pt x="0" y="1"/>
                   </a:moveTo>
                   <a:lnTo>
-                    <a:pt x="0" y="1207"/>
-                  </a:lnTo>
-                  <a:lnTo>
-                    <a:pt x="4004" y="1207"/>
-                  </a:lnTo>
-                  <a:lnTo>
-                    <a:pt x="4004" y="0"/>
+                    <a:pt x="0" y="1224"/>
+                  </a:lnTo>
+                  <a:lnTo>
+                    <a:pt x="4004" y="1224"/>
+                  </a:lnTo>
+                  <a:lnTo>
+                    <a:pt x="4004" y="1"/>
                   </a:lnTo>
                   <a:close/>
                 </a:path>
@@ -51460,7 +51603,7 @@
           </p:nvSpPr>
           <p:spPr>
             <a:xfrm>
-              <a:off x="2501950" y="2212425"/>
+              <a:off x="2501950" y="2083075"/>
               <a:ext cx="100100" cy="30175"/>
             </a:xfrm>
             <a:custGeom>
@@ -51472,16 +51615,16 @@
               <a:pathLst>
                 <a:path w="4004" h="1207" extrusionOk="0">
                   <a:moveTo>
-                    <a:pt x="0" y="1"/>
+                    <a:pt x="0" y="0"/>
                   </a:moveTo>
                   <a:lnTo>
-                    <a:pt x="0" y="1207"/>
-                  </a:lnTo>
-                  <a:lnTo>
-                    <a:pt x="4004" y="1207"/>
-                  </a:lnTo>
-                  <a:lnTo>
-                    <a:pt x="4004" y="1"/>
+                    <a:pt x="0" y="1206"/>
+                  </a:lnTo>
+                  <a:lnTo>
+                    <a:pt x="4004" y="1206"/>
+                  </a:lnTo>
+                  <a:lnTo>
+                    <a:pt x="4004" y="0"/>
                   </a:lnTo>
                   <a:close/>
                 </a:path>
@@ -51521,7 +51664,7 @@
           </p:nvSpPr>
           <p:spPr>
             <a:xfrm>
-              <a:off x="2501950" y="2277100"/>
+              <a:off x="2501950" y="2018375"/>
               <a:ext cx="100100" cy="30200"/>
             </a:xfrm>
             <a:custGeom>
@@ -51582,8 +51725,8 @@
           </p:nvSpPr>
           <p:spPr>
             <a:xfrm>
-              <a:off x="2501950" y="1759650"/>
-              <a:ext cx="100100" cy="30200"/>
+              <a:off x="2501950" y="2147750"/>
+              <a:ext cx="100100" cy="30175"/>
             </a:xfrm>
             <a:custGeom>
               <a:avLst/>
@@ -51592,9 +51735,9 @@
               <a:cxnLst/>
               <a:rect l="l" t="t" r="r" b="b"/>
               <a:pathLst>
-                <a:path w="4004" h="1208" extrusionOk="0">
+                <a:path w="4004" h="1207" extrusionOk="0">
                   <a:moveTo>
-                    <a:pt x="0" y="1"/>
+                    <a:pt x="0" y="0"/>
                   </a:moveTo>
                   <a:lnTo>
                     <a:pt x="0" y="1207"/>
@@ -51603,7 +51746,7 @@
                     <a:pt x="4004" y="1207"/>
                   </a:lnTo>
                   <a:lnTo>
-                    <a:pt x="4004" y="1"/>
+                    <a:pt x="4004" y="0"/>
                   </a:lnTo>
                   <a:close/>
                 </a:path>
@@ -51643,7 +51786,7 @@
           </p:nvSpPr>
           <p:spPr>
             <a:xfrm>
-              <a:off x="2501950" y="1694975"/>
+              <a:off x="2501950" y="2212425"/>
               <a:ext cx="100100" cy="30175"/>
             </a:xfrm>
             <a:custGeom>
@@ -51704,8 +51847,8 @@
           </p:nvSpPr>
           <p:spPr>
             <a:xfrm>
-              <a:off x="2501950" y="1824350"/>
-              <a:ext cx="100100" cy="30175"/>
+              <a:off x="2501950" y="2277100"/>
+              <a:ext cx="100100" cy="30200"/>
             </a:xfrm>
             <a:custGeom>
               <a:avLst/>
@@ -51714,18 +51857,18 @@
               <a:cxnLst/>
               <a:rect l="l" t="t" r="r" b="b"/>
               <a:pathLst>
-                <a:path w="4004" h="1207" extrusionOk="0">
+                <a:path w="4004" h="1208" extrusionOk="0">
                   <a:moveTo>
-                    <a:pt x="0" y="0"/>
+                    <a:pt x="0" y="1"/>
                   </a:moveTo>
                   <a:lnTo>
-                    <a:pt x="0" y="1206"/>
-                  </a:lnTo>
-                  <a:lnTo>
-                    <a:pt x="4004" y="1206"/>
-                  </a:lnTo>
-                  <a:lnTo>
-                    <a:pt x="4004" y="0"/>
+                    <a:pt x="0" y="1207"/>
+                  </a:lnTo>
+                  <a:lnTo>
+                    <a:pt x="4004" y="1207"/>
+                  </a:lnTo>
+                  <a:lnTo>
+                    <a:pt x="4004" y="1"/>
                   </a:lnTo>
                   <a:close/>
                 </a:path>
@@ -51765,8 +51908,8 @@
           </p:nvSpPr>
           <p:spPr>
             <a:xfrm>
-              <a:off x="2501950" y="1889025"/>
-              <a:ext cx="100100" cy="30175"/>
+              <a:off x="2501950" y="1759650"/>
+              <a:ext cx="100100" cy="30200"/>
             </a:xfrm>
             <a:custGeom>
               <a:avLst/>
@@ -51775,9 +51918,9 @@
               <a:cxnLst/>
               <a:rect l="l" t="t" r="r" b="b"/>
               <a:pathLst>
-                <a:path w="4004" h="1207" extrusionOk="0">
+                <a:path w="4004" h="1208" extrusionOk="0">
                   <a:moveTo>
-                    <a:pt x="0" y="0"/>
+                    <a:pt x="0" y="1"/>
                   </a:moveTo>
                   <a:lnTo>
                     <a:pt x="0" y="1207"/>
@@ -51786,7 +51929,7 @@
                     <a:pt x="4004" y="1207"/>
                   </a:lnTo>
                   <a:lnTo>
-                    <a:pt x="4004" y="0"/>
+                    <a:pt x="4004" y="1"/>
                   </a:lnTo>
                   <a:close/>
                 </a:path>
@@ -51826,7 +51969,7 @@
           </p:nvSpPr>
           <p:spPr>
             <a:xfrm>
-              <a:off x="2501950" y="1953700"/>
+              <a:off x="2501950" y="1694975"/>
               <a:ext cx="100100" cy="30175"/>
             </a:xfrm>
             <a:custGeom>
@@ -51887,6 +52030,189 @@
           </p:nvSpPr>
           <p:spPr>
             <a:xfrm>
+              <a:off x="2501950" y="1824350"/>
+              <a:ext cx="100100" cy="30175"/>
+            </a:xfrm>
+            <a:custGeom>
+              <a:avLst/>
+              <a:gdLst/>
+              <a:ahLst/>
+              <a:cxnLst/>
+              <a:rect l="l" t="t" r="r" b="b"/>
+              <a:pathLst>
+                <a:path w="4004" h="1207" extrusionOk="0">
+                  <a:moveTo>
+                    <a:pt x="0" y="0"/>
+                  </a:moveTo>
+                  <a:lnTo>
+                    <a:pt x="0" y="1206"/>
+                  </a:lnTo>
+                  <a:lnTo>
+                    <a:pt x="4004" y="1206"/>
+                  </a:lnTo>
+                  <a:lnTo>
+                    <a:pt x="4004" y="0"/>
+                  </a:lnTo>
+                  <a:close/>
+                </a:path>
+              </a:pathLst>
+            </a:custGeom>
+            <a:solidFill>
+              <a:srgbClr val="00CFCC"/>
+            </a:solidFill>
+            <a:ln>
+              <a:noFill/>
+            </a:ln>
+          </p:spPr>
+          <p:txBody>
+            <a:bodyPr spcFirstLastPara="1" wrap="square" lIns="91425" tIns="91425" rIns="91425" bIns="91425" anchor="ctr" anchorCtr="0">
+              <a:noAutofit/>
+            </a:bodyPr>
+            <a:lstStyle/>
+            <a:p>
+              <a:pPr marL="0" lvl="0" indent="0" algn="l" rtl="0">
+                <a:spcBef>
+                  <a:spcPts val="0"/>
+                </a:spcBef>
+                <a:spcAft>
+                  <a:spcPts val="0"/>
+                </a:spcAft>
+                <a:buNone/>
+              </a:pPr>
+              <a:endParaRPr/>
+            </a:p>
+          </p:txBody>
+        </p:sp>
+        <p:sp>
+          <p:nvSpPr>
+            <p:cNvPr id="549" name="Google Shape;549;p28"/>
+            <p:cNvSpPr/>
+            <p:nvPr/>
+          </p:nvSpPr>
+          <p:spPr>
+            <a:xfrm>
+              <a:off x="2501950" y="1889025"/>
+              <a:ext cx="100100" cy="30175"/>
+            </a:xfrm>
+            <a:custGeom>
+              <a:avLst/>
+              <a:gdLst/>
+              <a:ahLst/>
+              <a:cxnLst/>
+              <a:rect l="l" t="t" r="r" b="b"/>
+              <a:pathLst>
+                <a:path w="4004" h="1207" extrusionOk="0">
+                  <a:moveTo>
+                    <a:pt x="0" y="0"/>
+                  </a:moveTo>
+                  <a:lnTo>
+                    <a:pt x="0" y="1207"/>
+                  </a:lnTo>
+                  <a:lnTo>
+                    <a:pt x="4004" y="1207"/>
+                  </a:lnTo>
+                  <a:lnTo>
+                    <a:pt x="4004" y="0"/>
+                  </a:lnTo>
+                  <a:close/>
+                </a:path>
+              </a:pathLst>
+            </a:custGeom>
+            <a:solidFill>
+              <a:srgbClr val="00CFCC"/>
+            </a:solidFill>
+            <a:ln>
+              <a:noFill/>
+            </a:ln>
+          </p:spPr>
+          <p:txBody>
+            <a:bodyPr spcFirstLastPara="1" wrap="square" lIns="91425" tIns="91425" rIns="91425" bIns="91425" anchor="ctr" anchorCtr="0">
+              <a:noAutofit/>
+            </a:bodyPr>
+            <a:lstStyle/>
+            <a:p>
+              <a:pPr marL="0" lvl="0" indent="0" algn="l" rtl="0">
+                <a:spcBef>
+                  <a:spcPts val="0"/>
+                </a:spcBef>
+                <a:spcAft>
+                  <a:spcPts val="0"/>
+                </a:spcAft>
+                <a:buNone/>
+              </a:pPr>
+              <a:endParaRPr/>
+            </a:p>
+          </p:txBody>
+        </p:sp>
+        <p:sp>
+          <p:nvSpPr>
+            <p:cNvPr id="550" name="Google Shape;550;p28"/>
+            <p:cNvSpPr/>
+            <p:nvPr/>
+          </p:nvSpPr>
+          <p:spPr>
+            <a:xfrm>
+              <a:off x="2501950" y="1953700"/>
+              <a:ext cx="100100" cy="30175"/>
+            </a:xfrm>
+            <a:custGeom>
+              <a:avLst/>
+              <a:gdLst/>
+              <a:ahLst/>
+              <a:cxnLst/>
+              <a:rect l="l" t="t" r="r" b="b"/>
+              <a:pathLst>
+                <a:path w="4004" h="1207" extrusionOk="0">
+                  <a:moveTo>
+                    <a:pt x="0" y="1"/>
+                  </a:moveTo>
+                  <a:lnTo>
+                    <a:pt x="0" y="1207"/>
+                  </a:lnTo>
+                  <a:lnTo>
+                    <a:pt x="4004" y="1207"/>
+                  </a:lnTo>
+                  <a:lnTo>
+                    <a:pt x="4004" y="1"/>
+                  </a:lnTo>
+                  <a:close/>
+                </a:path>
+              </a:pathLst>
+            </a:custGeom>
+            <a:solidFill>
+              <a:srgbClr val="00CFCC"/>
+            </a:solidFill>
+            <a:ln>
+              <a:noFill/>
+            </a:ln>
+          </p:spPr>
+          <p:txBody>
+            <a:bodyPr spcFirstLastPara="1" wrap="square" lIns="91425" tIns="91425" rIns="91425" bIns="91425" anchor="ctr" anchorCtr="0">
+              <a:noAutofit/>
+            </a:bodyPr>
+            <a:lstStyle/>
+            <a:p>
+              <a:pPr marL="0" lvl="0" indent="0" algn="l" rtl="0">
+                <a:spcBef>
+                  <a:spcPts val="0"/>
+                </a:spcBef>
+                <a:spcAft>
+                  <a:spcPts val="0"/>
+                </a:spcAft>
+                <a:buNone/>
+              </a:pPr>
+              <a:endParaRPr/>
+            </a:p>
+          </p:txBody>
+        </p:sp>
+        <p:sp>
+          <p:nvSpPr>
+            <p:cNvPr id="551" name="Google Shape;551;p28"/>
+            <p:cNvSpPr/>
+            <p:nvPr/>
+          </p:nvSpPr>
+          <p:spPr>
+            <a:xfrm>
               <a:off x="2501950" y="2668250"/>
               <a:ext cx="100100" cy="1423000"/>
             </a:xfrm>
@@ -51943,7 +52269,7 @@
       </p:grpSp>
       <p:grpSp>
         <p:nvGrpSpPr>
-          <p:cNvPr id="549" name="Google Shape;549;p28"/>
+          <p:cNvPr id="552" name="Google Shape;552;p28"/>
           <p:cNvGrpSpPr/>
           <p:nvPr/>
         </p:nvGrpSpPr>
@@ -51957,7 +52283,7 @@
         </p:grpSpPr>
         <p:sp>
           <p:nvSpPr>
-            <p:cNvPr id="550" name="Google Shape;550;p28"/>
+            <p:cNvPr id="553" name="Google Shape;553;p28"/>
             <p:cNvSpPr/>
             <p:nvPr/>
           </p:nvSpPr>
@@ -51985,231 +52311,6 @@
                   </a:lnTo>
                   <a:lnTo>
                     <a:pt x="99749" y="1"/>
-                  </a:lnTo>
-                  <a:close/>
-                </a:path>
-              </a:pathLst>
-            </a:custGeom>
-            <a:solidFill>
-              <a:srgbClr val="FF9973"/>
-            </a:solidFill>
-            <a:ln w="9525" cap="flat" cmpd="sng">
-              <a:solidFill>
-                <a:schemeClr val="accent3"/>
-              </a:solidFill>
-              <a:prstDash val="solid"/>
-              <a:round/>
-              <a:headEnd type="none" w="sm" len="sm"/>
-              <a:tailEnd type="none" w="sm" len="sm"/>
-            </a:ln>
-          </p:spPr>
-          <p:txBody>
-            <a:bodyPr spcFirstLastPara="1" wrap="square" lIns="91425" tIns="91425" rIns="91425" bIns="91425" anchor="ctr" anchorCtr="0">
-              <a:noAutofit/>
-            </a:bodyPr>
-            <a:lstStyle/>
-            <a:p>
-              <a:pPr marL="0" lvl="0" indent="0" algn="l" rtl="0">
-                <a:spcBef>
-                  <a:spcPts val="0"/>
-                </a:spcBef>
-                <a:spcAft>
-                  <a:spcPts val="0"/>
-                </a:spcAft>
-                <a:buNone/>
-              </a:pPr>
-              <a:endParaRPr/>
-            </a:p>
-          </p:txBody>
-        </p:sp>
-        <p:sp>
-          <p:nvSpPr>
-            <p:cNvPr id="551" name="Google Shape;551;p28"/>
-            <p:cNvSpPr/>
-            <p:nvPr/>
-          </p:nvSpPr>
-          <p:spPr>
-            <a:xfrm>
-              <a:off x="4987800" y="-64350"/>
-              <a:ext cx="1082975" cy="2914922"/>
-            </a:xfrm>
-            <a:custGeom>
-              <a:avLst/>
-              <a:gdLst/>
-              <a:ahLst/>
-              <a:cxnLst/>
-              <a:rect l="l" t="t" r="r" b="b"/>
-              <a:pathLst>
-                <a:path w="43319" h="94995" extrusionOk="0">
-                  <a:moveTo>
-                    <a:pt x="0" y="1"/>
-                  </a:moveTo>
-                  <a:lnTo>
-                    <a:pt x="0" y="30716"/>
-                  </a:lnTo>
-                  <a:lnTo>
-                    <a:pt x="43127" y="30716"/>
-                  </a:lnTo>
-                  <a:lnTo>
-                    <a:pt x="43127" y="94994"/>
-                  </a:lnTo>
-                  <a:lnTo>
-                    <a:pt x="43319" y="94994"/>
-                  </a:lnTo>
-                  <a:lnTo>
-                    <a:pt x="43319" y="30523"/>
-                  </a:lnTo>
-                  <a:lnTo>
-                    <a:pt x="210" y="30523"/>
-                  </a:lnTo>
-                  <a:lnTo>
-                    <a:pt x="210" y="1"/>
-                  </a:lnTo>
-                  <a:close/>
-                </a:path>
-              </a:pathLst>
-            </a:custGeom>
-            <a:solidFill>
-              <a:srgbClr val="FF9973"/>
-            </a:solidFill>
-            <a:ln w="9525" cap="flat" cmpd="sng">
-              <a:solidFill>
-                <a:schemeClr val="accent3"/>
-              </a:solidFill>
-              <a:prstDash val="solid"/>
-              <a:round/>
-              <a:headEnd type="none" w="sm" len="sm"/>
-              <a:tailEnd type="none" w="sm" len="sm"/>
-            </a:ln>
-          </p:spPr>
-          <p:txBody>
-            <a:bodyPr spcFirstLastPara="1" wrap="square" lIns="91425" tIns="91425" rIns="91425" bIns="91425" anchor="ctr" anchorCtr="0">
-              <a:noAutofit/>
-            </a:bodyPr>
-            <a:lstStyle/>
-            <a:p>
-              <a:pPr marL="0" lvl="0" indent="0" algn="l" rtl="0">
-                <a:spcBef>
-                  <a:spcPts val="0"/>
-                </a:spcBef>
-                <a:spcAft>
-                  <a:spcPts val="0"/>
-                </a:spcAft>
-                <a:buNone/>
-              </a:pPr>
-              <a:endParaRPr/>
-            </a:p>
-          </p:txBody>
-        </p:sp>
-        <p:sp>
-          <p:nvSpPr>
-            <p:cNvPr id="552" name="Google Shape;552;p28"/>
-            <p:cNvSpPr/>
-            <p:nvPr/>
-          </p:nvSpPr>
-          <p:spPr>
-            <a:xfrm>
-              <a:off x="6127150" y="2700150"/>
-              <a:ext cx="105350" cy="107100"/>
-            </a:xfrm>
-            <a:custGeom>
-              <a:avLst/>
-              <a:gdLst/>
-              <a:ahLst/>
-              <a:cxnLst/>
-              <a:rect l="l" t="t" r="r" b="b"/>
-              <a:pathLst>
-                <a:path w="4214" h="4284" extrusionOk="0">
-                  <a:moveTo>
-                    <a:pt x="0" y="1"/>
-                  </a:moveTo>
-                  <a:lnTo>
-                    <a:pt x="0" y="4284"/>
-                  </a:lnTo>
-                  <a:lnTo>
-                    <a:pt x="4213" y="4284"/>
-                  </a:lnTo>
-                  <a:lnTo>
-                    <a:pt x="4213" y="4074"/>
-                  </a:lnTo>
-                  <a:lnTo>
-                    <a:pt x="210" y="4074"/>
-                  </a:lnTo>
-                  <a:lnTo>
-                    <a:pt x="210" y="1"/>
-                  </a:lnTo>
-                  <a:close/>
-                </a:path>
-              </a:pathLst>
-            </a:custGeom>
-            <a:solidFill>
-              <a:srgbClr val="FF9973"/>
-            </a:solidFill>
-            <a:ln w="9525" cap="flat" cmpd="sng">
-              <a:solidFill>
-                <a:schemeClr val="accent3"/>
-              </a:solidFill>
-              <a:prstDash val="solid"/>
-              <a:round/>
-              <a:headEnd type="none" w="sm" len="sm"/>
-              <a:tailEnd type="none" w="sm" len="sm"/>
-            </a:ln>
-          </p:spPr>
-          <p:txBody>
-            <a:bodyPr spcFirstLastPara="1" wrap="square" lIns="91425" tIns="91425" rIns="91425" bIns="91425" anchor="ctr" anchorCtr="0">
-              <a:noAutofit/>
-            </a:bodyPr>
-            <a:lstStyle/>
-            <a:p>
-              <a:pPr marL="0" lvl="0" indent="0" algn="l" rtl="0">
-                <a:spcBef>
-                  <a:spcPts val="0"/>
-                </a:spcBef>
-                <a:spcAft>
-                  <a:spcPts val="0"/>
-                </a:spcAft>
-                <a:buNone/>
-              </a:pPr>
-              <a:endParaRPr/>
-            </a:p>
-          </p:txBody>
-        </p:sp>
-        <p:sp>
-          <p:nvSpPr>
-            <p:cNvPr id="553" name="Google Shape;553;p28"/>
-            <p:cNvSpPr/>
-            <p:nvPr/>
-          </p:nvSpPr>
-          <p:spPr>
-            <a:xfrm>
-              <a:off x="5950575" y="939175"/>
-              <a:ext cx="76075" cy="78250"/>
-            </a:xfrm>
-            <a:custGeom>
-              <a:avLst/>
-              <a:gdLst/>
-              <a:ahLst/>
-              <a:cxnLst/>
-              <a:rect l="l" t="t" r="r" b="b"/>
-              <a:pathLst>
-                <a:path w="3043" h="3130" extrusionOk="0">
-                  <a:moveTo>
-                    <a:pt x="1" y="0"/>
-                  </a:moveTo>
-                  <a:lnTo>
-                    <a:pt x="1" y="210"/>
-                  </a:lnTo>
-                  <a:lnTo>
-                    <a:pt x="2833" y="210"/>
-                  </a:lnTo>
-                  <a:lnTo>
-                    <a:pt x="2833" y="3130"/>
-                  </a:lnTo>
-                  <a:lnTo>
-                    <a:pt x="3042" y="3130"/>
-                  </a:lnTo>
-                  <a:lnTo>
-                    <a:pt x="3042" y="0"/>
                   </a:lnTo>
                   <a:close/>
                 </a:path>
@@ -52255,6 +52356,231 @@
           </p:nvSpPr>
           <p:spPr>
             <a:xfrm>
+              <a:off x="4987800" y="-64350"/>
+              <a:ext cx="1082975" cy="2914922"/>
+            </a:xfrm>
+            <a:custGeom>
+              <a:avLst/>
+              <a:gdLst/>
+              <a:ahLst/>
+              <a:cxnLst/>
+              <a:rect l="l" t="t" r="r" b="b"/>
+              <a:pathLst>
+                <a:path w="43319" h="94995" extrusionOk="0">
+                  <a:moveTo>
+                    <a:pt x="0" y="1"/>
+                  </a:moveTo>
+                  <a:lnTo>
+                    <a:pt x="0" y="30716"/>
+                  </a:lnTo>
+                  <a:lnTo>
+                    <a:pt x="43127" y="30716"/>
+                  </a:lnTo>
+                  <a:lnTo>
+                    <a:pt x="43127" y="94994"/>
+                  </a:lnTo>
+                  <a:lnTo>
+                    <a:pt x="43319" y="94994"/>
+                  </a:lnTo>
+                  <a:lnTo>
+                    <a:pt x="43319" y="30523"/>
+                  </a:lnTo>
+                  <a:lnTo>
+                    <a:pt x="210" y="30523"/>
+                  </a:lnTo>
+                  <a:lnTo>
+                    <a:pt x="210" y="1"/>
+                  </a:lnTo>
+                  <a:close/>
+                </a:path>
+              </a:pathLst>
+            </a:custGeom>
+            <a:solidFill>
+              <a:srgbClr val="FF9973"/>
+            </a:solidFill>
+            <a:ln w="9525" cap="flat" cmpd="sng">
+              <a:solidFill>
+                <a:schemeClr val="accent3"/>
+              </a:solidFill>
+              <a:prstDash val="solid"/>
+              <a:round/>
+              <a:headEnd type="none" w="sm" len="sm"/>
+              <a:tailEnd type="none" w="sm" len="sm"/>
+            </a:ln>
+          </p:spPr>
+          <p:txBody>
+            <a:bodyPr spcFirstLastPara="1" wrap="square" lIns="91425" tIns="91425" rIns="91425" bIns="91425" anchor="ctr" anchorCtr="0">
+              <a:noAutofit/>
+            </a:bodyPr>
+            <a:lstStyle/>
+            <a:p>
+              <a:pPr marL="0" lvl="0" indent="0" algn="l" rtl="0">
+                <a:spcBef>
+                  <a:spcPts val="0"/>
+                </a:spcBef>
+                <a:spcAft>
+                  <a:spcPts val="0"/>
+                </a:spcAft>
+                <a:buNone/>
+              </a:pPr>
+              <a:endParaRPr/>
+            </a:p>
+          </p:txBody>
+        </p:sp>
+        <p:sp>
+          <p:nvSpPr>
+            <p:cNvPr id="555" name="Google Shape;555;p28"/>
+            <p:cNvSpPr/>
+            <p:nvPr/>
+          </p:nvSpPr>
+          <p:spPr>
+            <a:xfrm>
+              <a:off x="6127150" y="2700150"/>
+              <a:ext cx="105350" cy="107100"/>
+            </a:xfrm>
+            <a:custGeom>
+              <a:avLst/>
+              <a:gdLst/>
+              <a:ahLst/>
+              <a:cxnLst/>
+              <a:rect l="l" t="t" r="r" b="b"/>
+              <a:pathLst>
+                <a:path w="4214" h="4284" extrusionOk="0">
+                  <a:moveTo>
+                    <a:pt x="0" y="1"/>
+                  </a:moveTo>
+                  <a:lnTo>
+                    <a:pt x="0" y="4284"/>
+                  </a:lnTo>
+                  <a:lnTo>
+                    <a:pt x="4213" y="4284"/>
+                  </a:lnTo>
+                  <a:lnTo>
+                    <a:pt x="4213" y="4074"/>
+                  </a:lnTo>
+                  <a:lnTo>
+                    <a:pt x="210" y="4074"/>
+                  </a:lnTo>
+                  <a:lnTo>
+                    <a:pt x="210" y="1"/>
+                  </a:lnTo>
+                  <a:close/>
+                </a:path>
+              </a:pathLst>
+            </a:custGeom>
+            <a:solidFill>
+              <a:srgbClr val="FF9973"/>
+            </a:solidFill>
+            <a:ln w="9525" cap="flat" cmpd="sng">
+              <a:solidFill>
+                <a:schemeClr val="accent3"/>
+              </a:solidFill>
+              <a:prstDash val="solid"/>
+              <a:round/>
+              <a:headEnd type="none" w="sm" len="sm"/>
+              <a:tailEnd type="none" w="sm" len="sm"/>
+            </a:ln>
+          </p:spPr>
+          <p:txBody>
+            <a:bodyPr spcFirstLastPara="1" wrap="square" lIns="91425" tIns="91425" rIns="91425" bIns="91425" anchor="ctr" anchorCtr="0">
+              <a:noAutofit/>
+            </a:bodyPr>
+            <a:lstStyle/>
+            <a:p>
+              <a:pPr marL="0" lvl="0" indent="0" algn="l" rtl="0">
+                <a:spcBef>
+                  <a:spcPts val="0"/>
+                </a:spcBef>
+                <a:spcAft>
+                  <a:spcPts val="0"/>
+                </a:spcAft>
+                <a:buNone/>
+              </a:pPr>
+              <a:endParaRPr/>
+            </a:p>
+          </p:txBody>
+        </p:sp>
+        <p:sp>
+          <p:nvSpPr>
+            <p:cNvPr id="556" name="Google Shape;556;p28"/>
+            <p:cNvSpPr/>
+            <p:nvPr/>
+          </p:nvSpPr>
+          <p:spPr>
+            <a:xfrm>
+              <a:off x="5950575" y="939175"/>
+              <a:ext cx="76075" cy="78250"/>
+            </a:xfrm>
+            <a:custGeom>
+              <a:avLst/>
+              <a:gdLst/>
+              <a:ahLst/>
+              <a:cxnLst/>
+              <a:rect l="l" t="t" r="r" b="b"/>
+              <a:pathLst>
+                <a:path w="3043" h="3130" extrusionOk="0">
+                  <a:moveTo>
+                    <a:pt x="1" y="0"/>
+                  </a:moveTo>
+                  <a:lnTo>
+                    <a:pt x="1" y="210"/>
+                  </a:lnTo>
+                  <a:lnTo>
+                    <a:pt x="2833" y="210"/>
+                  </a:lnTo>
+                  <a:lnTo>
+                    <a:pt x="2833" y="3130"/>
+                  </a:lnTo>
+                  <a:lnTo>
+                    <a:pt x="3042" y="3130"/>
+                  </a:lnTo>
+                  <a:lnTo>
+                    <a:pt x="3042" y="0"/>
+                  </a:lnTo>
+                  <a:close/>
+                </a:path>
+              </a:pathLst>
+            </a:custGeom>
+            <a:solidFill>
+              <a:srgbClr val="FF9973"/>
+            </a:solidFill>
+            <a:ln w="9525" cap="flat" cmpd="sng">
+              <a:solidFill>
+                <a:schemeClr val="accent3"/>
+              </a:solidFill>
+              <a:prstDash val="solid"/>
+              <a:round/>
+              <a:headEnd type="none" w="sm" len="sm"/>
+              <a:tailEnd type="none" w="sm" len="sm"/>
+            </a:ln>
+          </p:spPr>
+          <p:txBody>
+            <a:bodyPr spcFirstLastPara="1" wrap="square" lIns="91425" tIns="91425" rIns="91425" bIns="91425" anchor="ctr" anchorCtr="0">
+              <a:noAutofit/>
+            </a:bodyPr>
+            <a:lstStyle/>
+            <a:p>
+              <a:pPr marL="0" lvl="0" indent="0" algn="l" rtl="0">
+                <a:spcBef>
+                  <a:spcPts val="0"/>
+                </a:spcBef>
+                <a:spcAft>
+                  <a:spcPts val="0"/>
+                </a:spcAft>
+                <a:buNone/>
+              </a:pPr>
+              <a:endParaRPr/>
+            </a:p>
+          </p:txBody>
+        </p:sp>
+        <p:sp>
+          <p:nvSpPr>
+            <p:cNvPr id="557" name="Google Shape;557;p28"/>
+            <p:cNvSpPr/>
+            <p:nvPr/>
+          </p:nvSpPr>
+          <p:spPr>
+            <a:xfrm>
               <a:off x="5032375" y="744525"/>
               <a:ext cx="77800" cy="78250"/>
             </a:xfrm>
@@ -52323,7 +52649,7 @@
       </p:grpSp>
       <p:grpSp>
         <p:nvGrpSpPr>
-          <p:cNvPr id="555" name="Google Shape;555;p28"/>
+          <p:cNvPr id="558" name="Google Shape;558;p28"/>
           <p:cNvGrpSpPr/>
           <p:nvPr/>
         </p:nvGrpSpPr>
@@ -52337,7 +52663,7 @@
         </p:grpSpPr>
         <p:sp>
           <p:nvSpPr>
-            <p:cNvPr id="556" name="Google Shape;556;p28"/>
+            <p:cNvPr id="559" name="Google Shape;559;p28"/>
             <p:cNvSpPr/>
             <p:nvPr/>
           </p:nvSpPr>
@@ -52881,7 +53207,7 @@
         </p:sp>
         <p:sp>
           <p:nvSpPr>
-            <p:cNvPr id="557" name="Google Shape;557;p28"/>
+            <p:cNvPr id="560" name="Google Shape;560;p28"/>
             <p:cNvSpPr/>
             <p:nvPr/>
           </p:nvSpPr>
@@ -52997,7 +53323,7 @@
         </p:sp>
         <p:sp>
           <p:nvSpPr>
-            <p:cNvPr id="558" name="Google Shape;558;p28"/>
+            <p:cNvPr id="561" name="Google Shape;561;p28"/>
             <p:cNvSpPr/>
             <p:nvPr/>
           </p:nvSpPr>
@@ -53113,7 +53439,7 @@
         </p:sp>
         <p:sp>
           <p:nvSpPr>
-            <p:cNvPr id="559" name="Google Shape;559;p28"/>
+            <p:cNvPr id="562" name="Google Shape;562;p28"/>
             <p:cNvSpPr/>
             <p:nvPr/>
           </p:nvSpPr>
@@ -53715,7 +54041,7 @@
         </p:sp>
         <p:sp>
           <p:nvSpPr>
-            <p:cNvPr id="560" name="Google Shape;560;p28"/>
+            <p:cNvPr id="563" name="Google Shape;563;p28"/>
             <p:cNvSpPr/>
             <p:nvPr/>
           </p:nvSpPr>
@@ -53836,7 +54162,7 @@
         </p:sp>
         <p:sp>
           <p:nvSpPr>
-            <p:cNvPr id="561" name="Google Shape;561;p28"/>
+            <p:cNvPr id="564" name="Google Shape;564;p28"/>
             <p:cNvSpPr/>
             <p:nvPr/>
           </p:nvSpPr>
@@ -53948,7 +54274,7 @@
   <p:cSld>
     <p:spTree>
       <p:nvGrpSpPr>
-        <p:cNvPr id="1" name="Shape 565"/>
+        <p:cNvPr id="1" name="Shape 568"/>
         <p:cNvGrpSpPr/>
         <p:nvPr/>
       </p:nvGrpSpPr>
@@ -53962,7 +54288,7 @@
       </p:grpSpPr>
       <p:sp>
         <p:nvSpPr>
-          <p:cNvPr id="566" name="Google Shape;566;p29"/>
+          <p:cNvPr id="569" name="Google Shape;569;p29"/>
           <p:cNvSpPr txBox="1">
             <a:spLocks noGrp="1"/>
           </p:cNvSpPr>
@@ -54176,7 +54502,7 @@
       </p:sp>
       <p:sp>
         <p:nvSpPr>
-          <p:cNvPr id="567" name="Google Shape;567;p29"/>
+          <p:cNvPr id="570" name="Google Shape;570;p29"/>
           <p:cNvSpPr txBox="1">
             <a:spLocks noGrp="1"/>
           </p:cNvSpPr>
@@ -54218,7 +54544,7 @@
       </p:sp>
       <p:pic>
         <p:nvPicPr>
-          <p:cNvPr id="568" name="Google Shape;568;p29"/>
+          <p:cNvPr id="571" name="Google Shape;571;p29"/>
           <p:cNvPicPr preferRelativeResize="0"/>
           <p:nvPr/>
         </p:nvPicPr>
@@ -54257,7 +54583,7 @@
   <p:cSld>
     <p:spTree>
       <p:nvGrpSpPr>
-        <p:cNvPr id="1" name="Shape 572"/>
+        <p:cNvPr id="1" name="Shape 575"/>
         <p:cNvGrpSpPr/>
         <p:nvPr/>
       </p:nvGrpSpPr>
@@ -54271,7 +54597,7 @@
       </p:grpSpPr>
       <p:sp>
         <p:nvSpPr>
-          <p:cNvPr id="573" name="Google Shape;573;p30"/>
+          <p:cNvPr id="576" name="Google Shape;576;p30"/>
           <p:cNvSpPr txBox="1">
             <a:spLocks noGrp="1"/>
           </p:cNvSpPr>
@@ -54389,7 +54715,7 @@
       </p:sp>
       <p:sp>
         <p:nvSpPr>
-          <p:cNvPr id="574" name="Google Shape;574;p30"/>
+          <p:cNvPr id="577" name="Google Shape;577;p30"/>
           <p:cNvSpPr txBox="1">
             <a:spLocks noGrp="1"/>
           </p:cNvSpPr>
@@ -54431,7 +54757,7 @@
       </p:sp>
       <p:sp>
         <p:nvSpPr>
-          <p:cNvPr id="575" name="Google Shape;575;p30"/>
+          <p:cNvPr id="578" name="Google Shape;578;p30"/>
           <p:cNvSpPr txBox="1"/>
           <p:nvPr/>
         </p:nvSpPr>
@@ -54705,7 +55031,7 @@
   <p:cSld>
     <p:spTree>
       <p:nvGrpSpPr>
-        <p:cNvPr id="1" name="Shape 579"/>
+        <p:cNvPr id="1" name="Shape 582"/>
         <p:cNvGrpSpPr/>
         <p:nvPr/>
       </p:nvGrpSpPr>
@@ -54719,7 +55045,7 @@
       </p:grpSpPr>
       <p:sp>
         <p:nvSpPr>
-          <p:cNvPr id="580" name="Google Shape;580;p31"/>
+          <p:cNvPr id="583" name="Google Shape;583;p31"/>
           <p:cNvSpPr txBox="1">
             <a:spLocks noGrp="1"/>
           </p:cNvSpPr>
@@ -54993,7 +55319,7 @@
       </p:sp>
       <p:sp>
         <p:nvSpPr>
-          <p:cNvPr id="581" name="Google Shape;581;p31"/>
+          <p:cNvPr id="584" name="Google Shape;584;p31"/>
           <p:cNvSpPr txBox="1">
             <a:spLocks noGrp="1"/>
           </p:cNvSpPr>
@@ -55035,7 +55361,7 @@
       </p:sp>
       <p:sp>
         <p:nvSpPr>
-          <p:cNvPr id="582" name="Google Shape;582;p31"/>
+          <p:cNvPr id="585" name="Google Shape;585;p31"/>
           <p:cNvSpPr txBox="1"/>
           <p:nvPr/>
         </p:nvSpPr>
